--- a/Chapter7/Figures/Fig3.pptx
+++ b/Chapter7/Figures/Fig3.pptx
@@ -7,7 +7,7 @@
   <p:sldIdLst>
     <p:sldId id="256" r:id="rId2"/>
   </p:sldIdLst>
-  <p:sldSz cx="10801350" cy="10261600"/>
+  <p:sldSz cx="10801350" cy="11880850"/>
   <p:notesSz cx="6858000" cy="9144000"/>
   <p:defaultTextStyle>
     <a:defPPr>
@@ -136,8 +136,8 @@
         </p:nvSpPr>
         <p:spPr>
           <a:xfrm>
-            <a:off x="810112" y="3187752"/>
-            <a:ext cx="9181149" cy="2199592"/>
+            <a:off x="810112" y="3690772"/>
+            <a:ext cx="9181149" cy="2546681"/>
           </a:xfrm>
         </p:spPr>
         <p:txBody>
@@ -164,8 +164,8 @@
         </p:nvSpPr>
         <p:spPr>
           <a:xfrm>
-            <a:off x="1620214" y="5814911"/>
-            <a:ext cx="7560945" cy="2622409"/>
+            <a:off x="1620214" y="6732487"/>
+            <a:ext cx="7560945" cy="3036218"/>
           </a:xfrm>
         </p:spPr>
         <p:txBody>
@@ -288,7 +288,7 @@
           <a:p>
             <a:fld id="{4D792E19-0BEC-4B8D-B7D3-C8ECEB03A1A5}" type="datetimeFigureOut">
               <a:rPr lang="en-GB" smtClean="0"/>
-              <a:t>03/06/2014</a:t>
+              <a:t>10/09/2014</a:t>
             </a:fld>
             <a:endParaRPr lang="en-GB"/>
           </a:p>
@@ -458,7 +458,7 @@
           <a:p>
             <a:fld id="{4D792E19-0BEC-4B8D-B7D3-C8ECEB03A1A5}" type="datetimeFigureOut">
               <a:rPr lang="en-GB" smtClean="0"/>
-              <a:t>03/06/2014</a:t>
+              <a:t>10/09/2014</a:t>
             </a:fld>
             <a:endParaRPr lang="en-GB"/>
           </a:p>
@@ -548,8 +548,8 @@
         </p:nvSpPr>
         <p:spPr>
           <a:xfrm>
-            <a:off x="7830988" y="410944"/>
-            <a:ext cx="2430303" cy="8755616"/>
+            <a:off x="7830993" y="475791"/>
+            <a:ext cx="2430303" cy="10137226"/>
           </a:xfrm>
         </p:spPr>
         <p:txBody>
@@ -576,8 +576,8 @@
         </p:nvSpPr>
         <p:spPr>
           <a:xfrm>
-            <a:off x="540069" y="410944"/>
-            <a:ext cx="7110888" cy="8755616"/>
+            <a:off x="540069" y="475791"/>
+            <a:ext cx="7110888" cy="10137226"/>
           </a:xfrm>
         </p:spPr>
         <p:txBody>
@@ -638,7 +638,7 @@
           <a:p>
             <a:fld id="{4D792E19-0BEC-4B8D-B7D3-C8ECEB03A1A5}" type="datetimeFigureOut">
               <a:rPr lang="en-GB" smtClean="0"/>
-              <a:t>03/06/2014</a:t>
+              <a:t>10/09/2014</a:t>
             </a:fld>
             <a:endParaRPr lang="en-GB"/>
           </a:p>
@@ -808,7 +808,7 @@
           <a:p>
             <a:fld id="{4D792E19-0BEC-4B8D-B7D3-C8ECEB03A1A5}" type="datetimeFigureOut">
               <a:rPr lang="en-GB" smtClean="0"/>
-              <a:t>03/06/2014</a:t>
+              <a:t>10/09/2014</a:t>
             </a:fld>
             <a:endParaRPr lang="en-GB"/>
           </a:p>
@@ -898,8 +898,8 @@
         </p:nvSpPr>
         <p:spPr>
           <a:xfrm>
-            <a:off x="853240" y="6594033"/>
-            <a:ext cx="9181149" cy="2038067"/>
+            <a:off x="853245" y="7634553"/>
+            <a:ext cx="9181149" cy="2359668"/>
           </a:xfrm>
         </p:spPr>
         <p:txBody>
@@ -930,8 +930,8 @@
         </p:nvSpPr>
         <p:spPr>
           <a:xfrm>
-            <a:off x="853240" y="4349310"/>
-            <a:ext cx="9181149" cy="2244725"/>
+            <a:off x="853245" y="5035619"/>
+            <a:ext cx="9181149" cy="2598936"/>
           </a:xfrm>
         </p:spPr>
         <p:txBody>
@@ -1054,7 +1054,7 @@
           <a:p>
             <a:fld id="{4D792E19-0BEC-4B8D-B7D3-C8ECEB03A1A5}" type="datetimeFigureOut">
               <a:rPr lang="en-GB" smtClean="0"/>
-              <a:t>03/06/2014</a:t>
+              <a:t>10/09/2014</a:t>
             </a:fld>
             <a:endParaRPr lang="en-GB"/>
           </a:p>
@@ -1167,8 +1167,8 @@
         </p:nvSpPr>
         <p:spPr>
           <a:xfrm>
-            <a:off x="540076" y="2394377"/>
-            <a:ext cx="4770597" cy="6772183"/>
+            <a:off x="540076" y="2772205"/>
+            <a:ext cx="4770597" cy="7840814"/>
           </a:xfrm>
         </p:spPr>
         <p:txBody>
@@ -1252,8 +1252,8 @@
         </p:nvSpPr>
         <p:spPr>
           <a:xfrm>
-            <a:off x="5490695" y="2394377"/>
-            <a:ext cx="4770597" cy="6772183"/>
+            <a:off x="5490695" y="2772205"/>
+            <a:ext cx="4770597" cy="7840814"/>
           </a:xfrm>
         </p:spPr>
         <p:txBody>
@@ -1342,7 +1342,7 @@
           <a:p>
             <a:fld id="{4D792E19-0BEC-4B8D-B7D3-C8ECEB03A1A5}" type="datetimeFigureOut">
               <a:rPr lang="en-GB" smtClean="0"/>
-              <a:t>03/06/2014</a:t>
+              <a:t>10/09/2014</a:t>
             </a:fld>
             <a:endParaRPr lang="en-GB"/>
           </a:p>
@@ -1459,8 +1459,8 @@
         </p:nvSpPr>
         <p:spPr>
           <a:xfrm>
-            <a:off x="540072" y="2296988"/>
-            <a:ext cx="4772472" cy="957274"/>
+            <a:off x="540072" y="2659447"/>
+            <a:ext cx="4772472" cy="1108329"/>
           </a:xfrm>
         </p:spPr>
         <p:txBody>
@@ -1524,8 +1524,8 @@
         </p:nvSpPr>
         <p:spPr>
           <a:xfrm>
-            <a:off x="540072" y="3254259"/>
-            <a:ext cx="4772472" cy="5912299"/>
+            <a:off x="540072" y="3767775"/>
+            <a:ext cx="4772472" cy="6845242"/>
           </a:xfrm>
         </p:spPr>
         <p:txBody>
@@ -1609,8 +1609,8 @@
         </p:nvSpPr>
         <p:spPr>
           <a:xfrm>
-            <a:off x="5486947" y="2296988"/>
-            <a:ext cx="4774347" cy="957274"/>
+            <a:off x="5486952" y="2659447"/>
+            <a:ext cx="4774347" cy="1108329"/>
           </a:xfrm>
         </p:spPr>
         <p:txBody>
@@ -1674,8 +1674,8 @@
         </p:nvSpPr>
         <p:spPr>
           <a:xfrm>
-            <a:off x="5486947" y="3254259"/>
-            <a:ext cx="4774347" cy="5912299"/>
+            <a:off x="5486952" y="3767775"/>
+            <a:ext cx="4774347" cy="6845242"/>
           </a:xfrm>
         </p:spPr>
         <p:txBody>
@@ -1764,7 +1764,7 @@
           <a:p>
             <a:fld id="{4D792E19-0BEC-4B8D-B7D3-C8ECEB03A1A5}" type="datetimeFigureOut">
               <a:rPr lang="en-GB" smtClean="0"/>
-              <a:t>03/06/2014</a:t>
+              <a:t>10/09/2014</a:t>
             </a:fld>
             <a:endParaRPr lang="en-GB"/>
           </a:p>
@@ -1882,7 +1882,7 @@
           <a:p>
             <a:fld id="{4D792E19-0BEC-4B8D-B7D3-C8ECEB03A1A5}" type="datetimeFigureOut">
               <a:rPr lang="en-GB" smtClean="0"/>
-              <a:t>03/06/2014</a:t>
+              <a:t>10/09/2014</a:t>
             </a:fld>
             <a:endParaRPr lang="en-GB"/>
           </a:p>
@@ -1977,7 +1977,7 @@
           <a:p>
             <a:fld id="{4D792E19-0BEC-4B8D-B7D3-C8ECEB03A1A5}" type="datetimeFigureOut">
               <a:rPr lang="en-GB" smtClean="0"/>
-              <a:t>03/06/2014</a:t>
+              <a:t>10/09/2014</a:t>
             </a:fld>
             <a:endParaRPr lang="en-GB"/>
           </a:p>
@@ -2067,8 +2067,8 @@
         </p:nvSpPr>
         <p:spPr>
           <a:xfrm>
-            <a:off x="540082" y="408568"/>
-            <a:ext cx="3553569" cy="1738772"/>
+            <a:off x="540087" y="473040"/>
+            <a:ext cx="3553569" cy="2013145"/>
           </a:xfrm>
         </p:spPr>
         <p:txBody>
@@ -2099,8 +2099,8 @@
         </p:nvSpPr>
         <p:spPr>
           <a:xfrm>
-            <a:off x="4223031" y="408569"/>
-            <a:ext cx="6038256" cy="8757992"/>
+            <a:off x="4223031" y="473040"/>
+            <a:ext cx="6038256" cy="10139978"/>
           </a:xfrm>
         </p:spPr>
         <p:txBody>
@@ -2184,8 +2184,8 @@
         </p:nvSpPr>
         <p:spPr>
           <a:xfrm>
-            <a:off x="540082" y="2147335"/>
-            <a:ext cx="3553569" cy="7019220"/>
+            <a:off x="540087" y="2486178"/>
+            <a:ext cx="3553569" cy="8126832"/>
           </a:xfrm>
         </p:spPr>
         <p:txBody>
@@ -2254,7 +2254,7 @@
           <a:p>
             <a:fld id="{4D792E19-0BEC-4B8D-B7D3-C8ECEB03A1A5}" type="datetimeFigureOut">
               <a:rPr lang="en-GB" smtClean="0"/>
-              <a:t>03/06/2014</a:t>
+              <a:t>10/09/2014</a:t>
             </a:fld>
             <a:endParaRPr lang="en-GB"/>
           </a:p>
@@ -2344,8 +2344,8 @@
         </p:nvSpPr>
         <p:spPr>
           <a:xfrm>
-            <a:off x="2117142" y="7183124"/>
-            <a:ext cx="6480810" cy="848007"/>
+            <a:off x="2117142" y="8316601"/>
+            <a:ext cx="6480810" cy="981820"/>
           </a:xfrm>
         </p:spPr>
         <p:txBody>
@@ -2376,8 +2376,8 @@
         </p:nvSpPr>
         <p:spPr>
           <a:xfrm>
-            <a:off x="2117142" y="916897"/>
-            <a:ext cx="6480810" cy="6156960"/>
+            <a:off x="2117142" y="1061582"/>
+            <a:ext cx="6480810" cy="7128510"/>
           </a:xfrm>
         </p:spPr>
         <p:txBody>
@@ -2437,8 +2437,8 @@
         </p:nvSpPr>
         <p:spPr>
           <a:xfrm>
-            <a:off x="2117142" y="8031129"/>
-            <a:ext cx="6480810" cy="1204313"/>
+            <a:off x="2117142" y="9298419"/>
+            <a:ext cx="6480810" cy="1394350"/>
           </a:xfrm>
         </p:spPr>
         <p:txBody>
@@ -2507,7 +2507,7 @@
           <a:p>
             <a:fld id="{4D792E19-0BEC-4B8D-B7D3-C8ECEB03A1A5}" type="datetimeFigureOut">
               <a:rPr lang="en-GB" smtClean="0"/>
-              <a:t>03/06/2014</a:t>
+              <a:t>10/09/2014</a:t>
             </a:fld>
             <a:endParaRPr lang="en-GB"/>
           </a:p>
@@ -2602,8 +2602,8 @@
         </p:nvSpPr>
         <p:spPr>
           <a:xfrm>
-            <a:off x="540079" y="410945"/>
-            <a:ext cx="9721215" cy="1710266"/>
+            <a:off x="540079" y="475793"/>
+            <a:ext cx="9721215" cy="1980141"/>
           </a:xfrm>
           <a:prstGeom prst="rect">
             <a:avLst/>
@@ -2635,8 +2635,8 @@
         </p:nvSpPr>
         <p:spPr>
           <a:xfrm>
-            <a:off x="540079" y="2394377"/>
-            <a:ext cx="9721215" cy="6772183"/>
+            <a:off x="540079" y="2772205"/>
+            <a:ext cx="9721215" cy="7840814"/>
           </a:xfrm>
           <a:prstGeom prst="rect">
             <a:avLst/>
@@ -2697,8 +2697,8 @@
         </p:nvSpPr>
         <p:spPr>
           <a:xfrm>
-            <a:off x="540079" y="9510987"/>
-            <a:ext cx="2520315" cy="546336"/>
+            <a:off x="540083" y="11011794"/>
+            <a:ext cx="2520315" cy="632546"/>
           </a:xfrm>
           <a:prstGeom prst="rect">
             <a:avLst/>
@@ -2720,7 +2720,7 @@
           <a:p>
             <a:fld id="{4D792E19-0BEC-4B8D-B7D3-C8ECEB03A1A5}" type="datetimeFigureOut">
               <a:rPr lang="en-GB" smtClean="0"/>
-              <a:t>03/06/2014</a:t>
+              <a:t>10/09/2014</a:t>
             </a:fld>
             <a:endParaRPr lang="en-GB"/>
           </a:p>
@@ -2738,8 +2738,8 @@
         </p:nvSpPr>
         <p:spPr>
           <a:xfrm>
-            <a:off x="3690472" y="9510987"/>
-            <a:ext cx="3420429" cy="546336"/>
+            <a:off x="3690472" y="11011794"/>
+            <a:ext cx="3420429" cy="632546"/>
           </a:xfrm>
           <a:prstGeom prst="rect">
             <a:avLst/>
@@ -2775,8 +2775,8 @@
         </p:nvSpPr>
         <p:spPr>
           <a:xfrm>
-            <a:off x="7740979" y="9510987"/>
-            <a:ext cx="2520315" cy="546336"/>
+            <a:off x="7740984" y="11011794"/>
+            <a:ext cx="2520315" cy="632546"/>
           </a:xfrm>
           <a:prstGeom prst="rect">
             <a:avLst/>
@@ -3097,7 +3097,7 @@
       </p:grpSpPr>
       <p:pic>
         <p:nvPicPr>
-          <p:cNvPr id="1026" name="Picture 2" descr="C:\Users\Wendy\Documents\wwn20\Thesis\Chapter7\Figures\Fig3\Spec_TM.png"/>
+          <p:cNvPr id="366" name="Picture 2" descr="C:\Users\Wendy\Documents\wwn20\Thesis\Chapter7\Figures\Fig3\Spec_TM.png"/>
           <p:cNvPicPr>
             <a:picLocks noChangeAspect="1" noChangeArrowheads="1"/>
           </p:cNvPicPr>
@@ -3118,8 +3118,8 @@
         </p:blipFill>
         <p:spPr bwMode="auto">
           <a:xfrm>
-            <a:off x="1401095" y="2679274"/>
-            <a:ext cx="3600000" cy="2444252"/>
+            <a:off x="1401095" y="2745360"/>
+            <a:ext cx="4680000" cy="3177528"/>
           </a:xfrm>
           <a:prstGeom prst="rect">
             <a:avLst/>
@@ -3138,7 +3138,7 @@
       </p:pic>
       <p:pic>
         <p:nvPicPr>
-          <p:cNvPr id="162" name="Picture 14" descr="C:\Users\Wendy\Documents\wwn20\Thesis\Chapter7\Figures\Fig3\Scale.png"/>
+          <p:cNvPr id="367" name="Picture 14" descr="C:\Users\Wendy\Documents\wwn20\Thesis\Chapter7\Figures\Fig3\Scale.png"/>
           <p:cNvPicPr>
             <a:picLocks noChangeAspect="1" noChangeArrowheads="1"/>
           </p:cNvPicPr>
@@ -3157,8 +3157,8 @@
         </p:blipFill>
         <p:spPr bwMode="auto">
           <a:xfrm>
-            <a:off x="8797542" y="9598643"/>
-            <a:ext cx="2002052" cy="613066"/>
+            <a:off x="7921350" y="10882802"/>
+            <a:ext cx="2880000" cy="881910"/>
           </a:xfrm>
           <a:prstGeom prst="rect">
             <a:avLst/>
@@ -3177,7 +3177,7 @@
       </p:pic>
       <p:pic>
         <p:nvPicPr>
-          <p:cNvPr id="163" name="Picture 13" descr="C:\Users\Wendy\Documents\wwn20\Thesis\Chapter7\Figures\Fig3\Spec_TE.png"/>
+          <p:cNvPr id="368" name="Picture 13" descr="C:\Users\Wendy\Documents\wwn20\Thesis\Chapter7\Figures\Fig3\Spec_TE.png"/>
           <p:cNvPicPr>
             <a:picLocks noChangeAspect="1" noChangeArrowheads="1"/>
           </p:cNvPicPr>
@@ -3198,8 +3198,8 @@
         </p:blipFill>
         <p:spPr bwMode="auto">
           <a:xfrm>
-            <a:off x="1405163" y="7799297"/>
-            <a:ext cx="3600000" cy="2444252"/>
+            <a:off x="1405163" y="8587184"/>
+            <a:ext cx="4680000" cy="3177528"/>
           </a:xfrm>
           <a:prstGeom prst="rect">
             <a:avLst/>
@@ -3218,7 +3218,7 @@
       </p:pic>
       <p:pic>
         <p:nvPicPr>
-          <p:cNvPr id="165" name="Picture 11" descr="C:\Users\Wendy\Documents\wwn20\Thesis\Chapter7\Figures\Fig3\CHPI_ETFE_90_TE.png"/>
+          <p:cNvPr id="369" name="Picture 11" descr="C:\Users\Wendy\Documents\wwn20\Thesis\Chapter7\Figures\Fig3\CHPI_ETFE_90_TE.png"/>
           <p:cNvPicPr>
             <a:picLocks noChangeAspect="1" noChangeArrowheads="1"/>
           </p:cNvPicPr>
@@ -3237,7 +3237,7 @@
         </p:blipFill>
         <p:spPr bwMode="auto">
           <a:xfrm>
-            <a:off x="8509368" y="5566033"/>
+            <a:off x="8509368" y="6282345"/>
             <a:ext cx="2219899" cy="2160001"/>
           </a:xfrm>
           <a:prstGeom prst="rect">
@@ -3257,7 +3257,7 @@
       </p:pic>
       <p:pic>
         <p:nvPicPr>
-          <p:cNvPr id="166" name="Picture 10" descr="C:\Users\Wendy\Documents\wwn20\Thesis\Chapter7\Figures\Fig3\CHPI_ETFE_60_TE.png"/>
+          <p:cNvPr id="370" name="Picture 10" descr="C:\Users\Wendy\Documents\wwn20\Thesis\Chapter7\Figures\Fig3\CHPI_ETFE_60_TE.png"/>
           <p:cNvPicPr>
             <a:picLocks noChangeAspect="1" noChangeArrowheads="1"/>
           </p:cNvPicPr>
@@ -3276,7 +3276,7 @@
         </p:blipFill>
         <p:spPr bwMode="auto">
           <a:xfrm>
-            <a:off x="6489850" y="5552386"/>
+            <a:off x="6489850" y="6268698"/>
             <a:ext cx="2233547" cy="2160000"/>
           </a:xfrm>
           <a:prstGeom prst="rect">
@@ -3296,7 +3296,7 @@
       </p:pic>
       <p:pic>
         <p:nvPicPr>
-          <p:cNvPr id="167" name="Picture 9" descr="C:\Users\Wendy\Documents\wwn20\Thesis\Chapter7\Figures\Fig3\CHPI_ETFE_40_TE.png"/>
+          <p:cNvPr id="371" name="Picture 9" descr="C:\Users\Wendy\Documents\wwn20\Thesis\Chapter7\Figures\Fig3\CHPI_ETFE_40_TE.png"/>
           <p:cNvPicPr>
             <a:picLocks noChangeAspect="1" noChangeArrowheads="1"/>
           </p:cNvPicPr>
@@ -3315,7 +3315,7 @@
         </p:blipFill>
         <p:spPr bwMode="auto">
           <a:xfrm>
-            <a:off x="4479177" y="5552386"/>
+            <a:off x="4479177" y="6268698"/>
             <a:ext cx="2233548" cy="2160000"/>
           </a:xfrm>
           <a:prstGeom prst="rect">
@@ -3335,7 +3335,7 @@
       </p:pic>
       <p:pic>
         <p:nvPicPr>
-          <p:cNvPr id="168" name="Picture 8" descr="C:\Users\Wendy\Documents\wwn20\Thesis\Chapter7\Figures\Fig3\CHPI_ETFE_20_TE.png"/>
+          <p:cNvPr id="372" name="Picture 8" descr="C:\Users\Wendy\Documents\wwn20\Thesis\Chapter7\Figures\Fig3\CHPI_ETFE_20_TE.png"/>
           <p:cNvPicPr>
             <a:picLocks noChangeAspect="1" noChangeArrowheads="1"/>
           </p:cNvPicPr>
@@ -3354,7 +3354,7 @@
         </p:blipFill>
         <p:spPr bwMode="auto">
           <a:xfrm>
-            <a:off x="2438241" y="5561296"/>
+            <a:off x="2438241" y="6277608"/>
             <a:ext cx="2264609" cy="2151090"/>
           </a:xfrm>
           <a:prstGeom prst="rect">
@@ -3374,7 +3374,7 @@
       </p:pic>
       <p:pic>
         <p:nvPicPr>
-          <p:cNvPr id="169" name="Picture 7" descr="C:\Users\Wendy\Documents\wwn20\Thesis\Chapter7\Figures\Fig3\CHPI_ETFE_0_TE.png"/>
+          <p:cNvPr id="373" name="Picture 7" descr="C:\Users\Wendy\Documents\wwn20\Thesis\Chapter7\Figures\Fig3\CHPI_ETFE_0_TE.png"/>
           <p:cNvPicPr>
             <a:picLocks noChangeAspect="1" noChangeArrowheads="1"/>
           </p:cNvPicPr>
@@ -3393,7 +3393,7 @@
         </p:blipFill>
         <p:spPr bwMode="auto">
           <a:xfrm>
-            <a:off x="432850" y="5552386"/>
+            <a:off x="432850" y="6268698"/>
             <a:ext cx="2253637" cy="2160000"/>
           </a:xfrm>
           <a:prstGeom prst="rect">
@@ -3413,7 +3413,7 @@
       </p:pic>
       <p:pic>
         <p:nvPicPr>
-          <p:cNvPr id="170" name="Picture 2" descr="C:\Users\Wendy\Documents\wwn20\Thesis\Chapter7\Figures\Fig3\CHPI_ETFE_90_TM.png"/>
+          <p:cNvPr id="374" name="Picture 2" descr="C:\Users\Wendy\Documents\wwn20\Thesis\Chapter7\Figures\Fig3\CHPI_ETFE_90_TM.png"/>
           <p:cNvPicPr>
             <a:picLocks noChangeAspect="1" noChangeArrowheads="1"/>
           </p:cNvPicPr>
@@ -3452,7 +3452,7 @@
       </p:pic>
       <p:pic>
         <p:nvPicPr>
-          <p:cNvPr id="171" name="Picture 3" descr="C:\Users\Wendy\Documents\wwn20\Thesis\Chapter7\Figures\Fig3\CHPI_ETFE_60_TM.png"/>
+          <p:cNvPr id="375" name="Picture 3" descr="C:\Users\Wendy\Documents\wwn20\Thesis\Chapter7\Figures\Fig3\CHPI_ETFE_60_TM.png"/>
           <p:cNvPicPr>
             <a:picLocks noChangeAspect="1" noChangeArrowheads="1"/>
           </p:cNvPicPr>
@@ -3491,7 +3491,7 @@
       </p:pic>
       <p:pic>
         <p:nvPicPr>
-          <p:cNvPr id="172" name="Picture 4" descr="C:\Users\Wendy\Documents\wwn20\Thesis\Chapter7\Figures\Fig3\CHPI_ETFE_40_TM.png"/>
+          <p:cNvPr id="376" name="Picture 4" descr="C:\Users\Wendy\Documents\wwn20\Thesis\Chapter7\Figures\Fig3\CHPI_ETFE_40_TM.png"/>
           <p:cNvPicPr>
             <a:picLocks noChangeAspect="1" noChangeArrowheads="1"/>
           </p:cNvPicPr>
@@ -3530,7 +3530,7 @@
       </p:pic>
       <p:pic>
         <p:nvPicPr>
-          <p:cNvPr id="173" name="Picture 6" descr="C:\Users\Wendy\Documents\wwn20\Thesis\Chapter7\Figures\Fig3\CHPI_ETFE_20_TM.png"/>
+          <p:cNvPr id="377" name="Picture 6" descr="C:\Users\Wendy\Documents\wwn20\Thesis\Chapter7\Figures\Fig3\CHPI_ETFE_20_TM.png"/>
           <p:cNvPicPr>
             <a:picLocks noChangeAspect="1" noChangeArrowheads="1"/>
           </p:cNvPicPr>
@@ -3569,7 +3569,7 @@
       </p:pic>
       <p:pic>
         <p:nvPicPr>
-          <p:cNvPr id="174" name="Picture 5" descr="C:\Users\Wendy\Documents\wwn20\Thesis\Chapter7\Figures\Fig3\CHPI_ETFE_0_TM.png"/>
+          <p:cNvPr id="378" name="Picture 5" descr="C:\Users\Wendy\Documents\wwn20\Thesis\Chapter7\Figures\Fig3\CHPI_ETFE_0_TM.png"/>
           <p:cNvPicPr>
             <a:picLocks noChangeAspect="1" noChangeArrowheads="1"/>
           </p:cNvPicPr>
@@ -3608,7 +3608,7 @@
       </p:pic>
       <p:sp>
         <p:nvSpPr>
-          <p:cNvPr id="175" name="TextBox 174"/>
+          <p:cNvPr id="379" name="TextBox 378"/>
           <p:cNvSpPr txBox="1"/>
           <p:nvPr/>
         </p:nvSpPr>
@@ -3644,7 +3644,7 @@
       </p:sp>
       <p:sp>
         <p:nvSpPr>
-          <p:cNvPr id="176" name="TextBox 175"/>
+          <p:cNvPr id="380" name="TextBox 379"/>
           <p:cNvSpPr txBox="1"/>
           <p:nvPr/>
         </p:nvSpPr>
@@ -3701,14 +3701,14 @@
       </p:sp>
       <p:sp>
         <p:nvSpPr>
-          <p:cNvPr id="177" name="TextBox 176"/>
+          <p:cNvPr id="381" name="TextBox 380"/>
           <p:cNvSpPr txBox="1"/>
           <p:nvPr/>
         </p:nvSpPr>
         <p:spPr>
           <a:xfrm>
-            <a:off x="648147" y="33638"/>
-            <a:ext cx="1873703" cy="400110"/>
+            <a:off x="648147" y="-29424"/>
+            <a:ext cx="4123664" cy="477054"/>
           </a:xfrm>
           <a:prstGeom prst="rect">
             <a:avLst/>
@@ -3722,23 +3722,23 @@
           <a:lstStyle/>
           <a:p>
             <a:r>
-              <a:rPr lang="en-GB" sz="2000" b="1" dirty="0" smtClean="0"/>
+              <a:rPr lang="en-GB" sz="2500" b="1" dirty="0" smtClean="0"/>
               <a:t>TM polarisation</a:t>
             </a:r>
-            <a:endParaRPr lang="en-GB" sz="2000" b="1" dirty="0"/>
+            <a:endParaRPr lang="en-GB" sz="2500" b="1" dirty="0"/>
           </a:p>
         </p:txBody>
       </p:sp>
       <p:sp>
         <p:nvSpPr>
-          <p:cNvPr id="178" name="TextBox 177"/>
+          <p:cNvPr id="382" name="TextBox 381"/>
           <p:cNvSpPr txBox="1"/>
           <p:nvPr/>
         </p:nvSpPr>
         <p:spPr>
           <a:xfrm>
-            <a:off x="769138" y="5139883"/>
-            <a:ext cx="1873703" cy="400110"/>
+            <a:off x="648147" y="5856195"/>
+            <a:ext cx="4123664" cy="477054"/>
           </a:xfrm>
           <a:prstGeom prst="rect">
             <a:avLst/>
@@ -3752,22 +3752,22 @@
           <a:lstStyle/>
           <a:p>
             <a:r>
-              <a:rPr lang="en-GB" sz="2000" b="1" dirty="0" smtClean="0"/>
+              <a:rPr lang="en-GB" sz="2500" b="1" dirty="0" smtClean="0"/>
               <a:t>TE polarisation</a:t>
             </a:r>
-            <a:endParaRPr lang="en-GB" sz="2000" b="1" dirty="0"/>
+            <a:endParaRPr lang="en-GB" sz="2500" b="1" dirty="0"/>
           </a:p>
         </p:txBody>
       </p:sp>
       <p:sp>
         <p:nvSpPr>
-          <p:cNvPr id="179" name="TextBox 178"/>
+          <p:cNvPr id="383" name="TextBox 382"/>
           <p:cNvSpPr txBox="1"/>
           <p:nvPr/>
         </p:nvSpPr>
         <p:spPr>
           <a:xfrm rot="16200000">
-            <a:off x="-859566" y="6209797"/>
+            <a:off x="-859566" y="6926109"/>
             <a:ext cx="2217242" cy="353943"/>
           </a:xfrm>
           <a:prstGeom prst="rect">
@@ -3797,13 +3797,13 @@
       </p:sp>
       <p:sp>
         <p:nvSpPr>
-          <p:cNvPr id="180" name="TextBox 179"/>
+          <p:cNvPr id="384" name="TextBox 383"/>
           <p:cNvSpPr txBox="1"/>
           <p:nvPr/>
         </p:nvSpPr>
         <p:spPr>
           <a:xfrm>
-            <a:off x="5177749" y="7664569"/>
+            <a:off x="5177749" y="8380881"/>
             <a:ext cx="972108" cy="353943"/>
           </a:xfrm>
           <a:prstGeom prst="rect">
@@ -3854,7 +3854,7 @@
       </p:sp>
       <p:sp>
         <p:nvSpPr>
-          <p:cNvPr id="181" name="TextBox 180"/>
+          <p:cNvPr id="385" name="TextBox 384"/>
           <p:cNvSpPr txBox="1"/>
           <p:nvPr/>
         </p:nvSpPr>
@@ -3892,7 +3892,7 @@
       </p:sp>
       <p:sp>
         <p:nvSpPr>
-          <p:cNvPr id="183" name="TextBox 182"/>
+          <p:cNvPr id="386" name="TextBox 385"/>
           <p:cNvSpPr txBox="1"/>
           <p:nvPr/>
         </p:nvSpPr>
@@ -3930,7 +3930,7 @@
       </p:sp>
       <p:sp>
         <p:nvSpPr>
-          <p:cNvPr id="184" name="TextBox 183"/>
+          <p:cNvPr id="387" name="TextBox 386"/>
           <p:cNvSpPr txBox="1"/>
           <p:nvPr/>
         </p:nvSpPr>
@@ -3968,13 +3968,13 @@
       </p:sp>
       <p:sp>
         <p:nvSpPr>
-          <p:cNvPr id="187" name="TextBox 186"/>
+          <p:cNvPr id="388" name="TextBox 387"/>
           <p:cNvSpPr txBox="1"/>
           <p:nvPr/>
         </p:nvSpPr>
         <p:spPr>
           <a:xfrm>
-            <a:off x="6763832" y="7125089"/>
+            <a:off x="6763832" y="7841401"/>
             <a:ext cx="1022598" cy="369332"/>
           </a:xfrm>
           <a:prstGeom prst="rect">
@@ -4006,13 +4006,13 @@
       </p:sp>
       <p:sp>
         <p:nvSpPr>
-          <p:cNvPr id="188" name="TextBox 187"/>
+          <p:cNvPr id="389" name="TextBox 388"/>
           <p:cNvSpPr txBox="1"/>
           <p:nvPr/>
         </p:nvSpPr>
         <p:spPr>
           <a:xfrm>
-            <a:off x="8797542" y="7125089"/>
+            <a:off x="8797542" y="7841401"/>
             <a:ext cx="1022598" cy="369332"/>
           </a:xfrm>
           <a:prstGeom prst="rect">
@@ -4044,13 +4044,13 @@
       </p:sp>
       <p:sp>
         <p:nvSpPr>
-          <p:cNvPr id="189" name="Freeform 188"/>
+          <p:cNvPr id="390" name="Freeform 389"/>
           <p:cNvSpPr/>
           <p:nvPr/>
         </p:nvSpPr>
         <p:spPr>
           <a:xfrm flipH="1">
-            <a:off x="4702850" y="2601101"/>
+            <a:off x="5817801" y="2652903"/>
             <a:ext cx="446970" cy="1109679"/>
           </a:xfrm>
           <a:custGeom>
@@ -4133,13 +4133,13 @@
       </p:sp>
       <p:sp>
         <p:nvSpPr>
-          <p:cNvPr id="190" name="Freeform 189"/>
+          <p:cNvPr id="391" name="Freeform 390"/>
           <p:cNvSpPr/>
           <p:nvPr/>
         </p:nvSpPr>
         <p:spPr>
           <a:xfrm>
-            <a:off x="834327" y="7712386"/>
+            <a:off x="834327" y="8428698"/>
             <a:ext cx="446970" cy="1109679"/>
           </a:xfrm>
           <a:custGeom>
@@ -4222,7 +4222,7 @@
       </p:sp>
       <p:cxnSp>
         <p:nvCxnSpPr>
-          <p:cNvPr id="191" name="Straight Connector 190"/>
+          <p:cNvPr id="392" name="Straight Connector 391"/>
           <p:cNvCxnSpPr/>
           <p:nvPr/>
         </p:nvCxnSpPr>
@@ -4258,7 +4258,7 @@
       </p:cxnSp>
       <p:sp>
         <p:nvSpPr>
-          <p:cNvPr id="192" name="TextBox 191"/>
+          <p:cNvPr id="393" name="TextBox 392"/>
           <p:cNvSpPr txBox="1"/>
           <p:nvPr/>
         </p:nvSpPr>
@@ -4296,7 +4296,7 @@
       </p:sp>
       <p:cxnSp>
         <p:nvCxnSpPr>
-          <p:cNvPr id="193" name="Straight Connector 192"/>
+          <p:cNvPr id="394" name="Straight Connector 393"/>
           <p:cNvCxnSpPr/>
           <p:nvPr/>
         </p:nvCxnSpPr>
@@ -4332,7 +4332,7 @@
       </p:cxnSp>
       <p:cxnSp>
         <p:nvCxnSpPr>
-          <p:cNvPr id="194" name="Straight Connector 193"/>
+          <p:cNvPr id="395" name="Straight Connector 394"/>
           <p:cNvCxnSpPr/>
           <p:nvPr/>
         </p:nvCxnSpPr>
@@ -4368,13 +4368,13 @@
       </p:cxnSp>
       <p:cxnSp>
         <p:nvCxnSpPr>
-          <p:cNvPr id="195" name="Straight Connector 194"/>
+          <p:cNvPr id="396" name="Straight Connector 395"/>
           <p:cNvCxnSpPr/>
           <p:nvPr/>
         </p:nvCxnSpPr>
         <p:spPr>
           <a:xfrm>
-            <a:off x="1060735" y="5633279"/>
+            <a:off x="1060735" y="6349591"/>
             <a:ext cx="0" cy="1872000"/>
           </a:xfrm>
           <a:prstGeom prst="line">
@@ -4404,13 +4404,13 @@
       </p:cxnSp>
       <p:cxnSp>
         <p:nvCxnSpPr>
-          <p:cNvPr id="196" name="Straight Connector 195"/>
+          <p:cNvPr id="397" name="Straight Connector 396"/>
           <p:cNvCxnSpPr/>
           <p:nvPr/>
         </p:nvCxnSpPr>
         <p:spPr>
           <a:xfrm>
-            <a:off x="1679886" y="5633279"/>
+            <a:off x="1679886" y="6349591"/>
             <a:ext cx="0" cy="1872000"/>
           </a:xfrm>
           <a:prstGeom prst="line">
@@ -4440,13 +4440,13 @@
       </p:cxnSp>
       <p:cxnSp>
         <p:nvCxnSpPr>
-          <p:cNvPr id="198" name="Straight Connector 197"/>
+          <p:cNvPr id="398" name="Straight Connector 397"/>
           <p:cNvCxnSpPr/>
           <p:nvPr/>
         </p:nvCxnSpPr>
         <p:spPr>
           <a:xfrm>
-            <a:off x="2292705" y="5621861"/>
+            <a:off x="2292705" y="6338173"/>
             <a:ext cx="0" cy="1872000"/>
           </a:xfrm>
           <a:prstGeom prst="line">
@@ -4476,7 +4476,7 @@
       </p:cxnSp>
       <p:sp>
         <p:nvSpPr>
-          <p:cNvPr id="39" name="TextBox 38"/>
+          <p:cNvPr id="399" name="TextBox 398"/>
           <p:cNvSpPr txBox="1"/>
           <p:nvPr/>
         </p:nvSpPr>
@@ -4506,13 +4506,13 @@
       </p:sp>
       <p:sp>
         <p:nvSpPr>
-          <p:cNvPr id="40" name="TextBox 39"/>
+          <p:cNvPr id="400" name="TextBox 399"/>
           <p:cNvSpPr txBox="1"/>
           <p:nvPr/>
         </p:nvSpPr>
         <p:spPr>
           <a:xfrm>
-            <a:off x="2383" y="5130800"/>
+            <a:off x="2383" y="5847112"/>
             <a:ext cx="645764" cy="477054"/>
           </a:xfrm>
           <a:prstGeom prst="rect">
@@ -4536,7 +4536,7 @@
       </p:sp>
       <p:sp>
         <p:nvSpPr>
-          <p:cNvPr id="41" name="TextBox 40"/>
+          <p:cNvPr id="401" name="TextBox 400"/>
           <p:cNvSpPr txBox="1"/>
           <p:nvPr/>
         </p:nvSpPr>
@@ -4566,13 +4566,13 @@
       </p:sp>
       <p:sp>
         <p:nvSpPr>
-          <p:cNvPr id="43" name="TextBox 42"/>
+          <p:cNvPr id="402" name="TextBox 401"/>
           <p:cNvSpPr txBox="1"/>
           <p:nvPr/>
         </p:nvSpPr>
         <p:spPr>
           <a:xfrm>
-            <a:off x="1154413" y="7797159"/>
+            <a:off x="1154413" y="8513471"/>
             <a:ext cx="645764" cy="477054"/>
           </a:xfrm>
           <a:prstGeom prst="rect">
@@ -4596,13 +4596,13 @@
       </p:sp>
       <p:sp>
         <p:nvSpPr>
-          <p:cNvPr id="44" name="Freeform 43"/>
+          <p:cNvPr id="403" name="Freeform 402"/>
           <p:cNvSpPr/>
           <p:nvPr/>
         </p:nvSpPr>
         <p:spPr>
           <a:xfrm>
-            <a:off x="746547" y="6834653"/>
+            <a:off x="746547" y="7550965"/>
             <a:ext cx="679450" cy="635000"/>
           </a:xfrm>
           <a:custGeom>
@@ -5025,13 +5025,13 @@
       </p:sp>
       <p:sp>
         <p:nvSpPr>
-          <p:cNvPr id="45" name="Freeform 44"/>
+          <p:cNvPr id="404" name="Freeform 403"/>
           <p:cNvSpPr/>
           <p:nvPr/>
         </p:nvSpPr>
         <p:spPr>
           <a:xfrm>
-            <a:off x="2768187" y="6826863"/>
+            <a:off x="2768187" y="7543175"/>
             <a:ext cx="825500" cy="711200"/>
           </a:xfrm>
           <a:custGeom>
@@ -5616,13 +5616,13 @@
       </p:sp>
       <p:sp>
         <p:nvSpPr>
-          <p:cNvPr id="46" name="Freeform 45"/>
+          <p:cNvPr id="405" name="Freeform 404"/>
           <p:cNvSpPr/>
           <p:nvPr/>
         </p:nvSpPr>
         <p:spPr>
           <a:xfrm>
-            <a:off x="4771811" y="6788719"/>
+            <a:off x="4771811" y="7505031"/>
             <a:ext cx="1492960" cy="716560"/>
           </a:xfrm>
           <a:custGeom>
@@ -6287,7 +6287,7 @@
       </p:sp>
       <p:sp>
         <p:nvSpPr>
-          <p:cNvPr id="47" name="Freeform 46"/>
+          <p:cNvPr id="406" name="Freeform 405"/>
           <p:cNvSpPr/>
           <p:nvPr/>
         </p:nvSpPr>
@@ -6958,13 +6958,13 @@
       </p:sp>
       <p:sp>
         <p:nvSpPr>
-          <p:cNvPr id="2" name="Freeform 1"/>
+          <p:cNvPr id="407" name="Freeform 406"/>
           <p:cNvSpPr/>
           <p:nvPr/>
         </p:nvSpPr>
         <p:spPr>
           <a:xfrm>
-            <a:off x="750498" y="6150634"/>
+            <a:off x="750498" y="6866946"/>
             <a:ext cx="362310" cy="207034"/>
           </a:xfrm>
           <a:custGeom>
@@ -7041,13 +7041,13 @@
       </p:sp>
       <p:sp>
         <p:nvSpPr>
-          <p:cNvPr id="49" name="Freeform 48"/>
+          <p:cNvPr id="408" name="Freeform 407"/>
           <p:cNvSpPr/>
           <p:nvPr/>
         </p:nvSpPr>
         <p:spPr>
           <a:xfrm>
-            <a:off x="2770960" y="6199517"/>
+            <a:off x="2770960" y="6915829"/>
             <a:ext cx="362310" cy="207034"/>
           </a:xfrm>
           <a:custGeom>
@@ -7124,13 +7124,13 @@
       </p:sp>
       <p:sp>
         <p:nvSpPr>
-          <p:cNvPr id="50" name="Freeform 49"/>
+          <p:cNvPr id="409" name="Freeform 408"/>
           <p:cNvSpPr/>
           <p:nvPr/>
         </p:nvSpPr>
         <p:spPr>
           <a:xfrm>
-            <a:off x="4771811" y="6254151"/>
+            <a:off x="4771811" y="6970463"/>
             <a:ext cx="362310" cy="207034"/>
           </a:xfrm>
           <a:custGeom>
@@ -7207,7 +7207,7 @@
       </p:sp>
       <p:sp>
         <p:nvSpPr>
-          <p:cNvPr id="51" name="Freeform 50"/>
+          <p:cNvPr id="410" name="Freeform 409"/>
           <p:cNvSpPr/>
           <p:nvPr/>
         </p:nvSpPr>
@@ -8180,7 +8180,7 @@
       </p:sp>
       <p:sp>
         <p:nvSpPr>
-          <p:cNvPr id="52" name="Freeform 51"/>
+          <p:cNvPr id="411" name="Freeform 410"/>
           <p:cNvSpPr/>
           <p:nvPr/>
         </p:nvSpPr>
@@ -8287,13 +8287,13 @@
       </p:sp>
       <p:sp>
         <p:nvSpPr>
-          <p:cNvPr id="53" name="Freeform 52"/>
+          <p:cNvPr id="412" name="Freeform 411"/>
           <p:cNvSpPr/>
           <p:nvPr/>
         </p:nvSpPr>
         <p:spPr>
           <a:xfrm>
-            <a:off x="6784950" y="6210364"/>
+            <a:off x="6784950" y="6926676"/>
             <a:ext cx="601649" cy="304244"/>
           </a:xfrm>
           <a:custGeom>
@@ -8394,7 +8394,7 @@
       </p:sp>
       <p:sp>
         <p:nvSpPr>
-          <p:cNvPr id="54" name="Freeform 53"/>
+          <p:cNvPr id="413" name="Freeform 412"/>
           <p:cNvSpPr/>
           <p:nvPr/>
         </p:nvSpPr>
@@ -9693,14 +9693,14 @@
       </p:sp>
       <p:cxnSp>
         <p:nvCxnSpPr>
-          <p:cNvPr id="55" name="Straight Arrow Connector 54"/>
+          <p:cNvPr id="414" name="Straight Arrow Connector 413"/>
           <p:cNvCxnSpPr/>
           <p:nvPr/>
         </p:nvCxnSpPr>
         <p:spPr>
           <a:xfrm>
-            <a:off x="3970040" y="4107830"/>
-            <a:ext cx="0" cy="180000"/>
+            <a:off x="4753163" y="4467830"/>
+            <a:ext cx="0" cy="360000"/>
           </a:xfrm>
           <a:prstGeom prst="straightConnector1">
             <a:avLst/>
@@ -9711,7 +9711,7 @@
                 <a:lumMod val="50000"/>
               </a:schemeClr>
             </a:solidFill>
-            <a:tailEnd type="arrow" w="sm" len="sm"/>
+            <a:tailEnd type="arrow" w="lg" len="lg"/>
           </a:ln>
         </p:spPr>
         <p:style>
@@ -9731,14 +9731,14 @@
       </p:cxnSp>
       <p:cxnSp>
         <p:nvCxnSpPr>
-          <p:cNvPr id="56" name="Straight Arrow Connector 55"/>
+          <p:cNvPr id="415" name="Straight Arrow Connector 414"/>
           <p:cNvCxnSpPr/>
           <p:nvPr/>
         </p:nvCxnSpPr>
         <p:spPr>
           <a:xfrm>
-            <a:off x="4383038" y="3484141"/>
-            <a:ext cx="0" cy="180000"/>
+            <a:off x="5264557" y="3636845"/>
+            <a:ext cx="0" cy="360000"/>
           </a:xfrm>
           <a:prstGeom prst="straightConnector1">
             <a:avLst/>
@@ -9749,7 +9749,7 @@
                 <a:lumMod val="50000"/>
               </a:schemeClr>
             </a:solidFill>
-            <a:tailEnd type="arrow" w="sm" len="sm"/>
+            <a:tailEnd type="arrow" w="lg" len="lg"/>
           </a:ln>
         </p:spPr>
         <p:style>
@@ -9769,14 +9769,14 @@
       </p:cxnSp>
       <p:cxnSp>
         <p:nvCxnSpPr>
-          <p:cNvPr id="57" name="Straight Arrow Connector 56"/>
+          <p:cNvPr id="416" name="Straight Arrow Connector 415"/>
           <p:cNvCxnSpPr/>
           <p:nvPr/>
         </p:nvCxnSpPr>
         <p:spPr>
           <a:xfrm>
-            <a:off x="4085481" y="9081715"/>
-            <a:ext cx="0" cy="180000"/>
+            <a:off x="4991515" y="10158027"/>
+            <a:ext cx="0" cy="360000"/>
           </a:xfrm>
           <a:prstGeom prst="straightConnector1">
             <a:avLst/>
@@ -9787,7 +9787,7 @@
                 <a:lumMod val="50000"/>
               </a:schemeClr>
             </a:solidFill>
-            <a:tailEnd type="arrow" w="sm" len="sm"/>
+            <a:tailEnd type="arrow" w="lg" len="lg"/>
           </a:ln>
         </p:spPr>
         <p:style>
@@ -9807,7 +9807,7 @@
       </p:cxnSp>
       <p:sp>
         <p:nvSpPr>
-          <p:cNvPr id="182" name="TextBox 181"/>
+          <p:cNvPr id="417" name="TextBox 416"/>
           <p:cNvSpPr txBox="1"/>
           <p:nvPr/>
         </p:nvSpPr>
@@ -9845,13 +9845,13 @@
       </p:sp>
       <p:sp>
         <p:nvSpPr>
-          <p:cNvPr id="185" name="TextBox 184"/>
+          <p:cNvPr id="418" name="TextBox 417"/>
           <p:cNvSpPr txBox="1"/>
           <p:nvPr/>
         </p:nvSpPr>
         <p:spPr>
           <a:xfrm>
-            <a:off x="2767676" y="7125089"/>
+            <a:off x="2767676" y="7841401"/>
             <a:ext cx="1022598" cy="369332"/>
           </a:xfrm>
           <a:prstGeom prst="rect">
@@ -9883,13 +9883,13 @@
       </p:sp>
       <p:sp>
         <p:nvSpPr>
-          <p:cNvPr id="186" name="TextBox 185"/>
+          <p:cNvPr id="419" name="TextBox 418"/>
           <p:cNvSpPr txBox="1"/>
           <p:nvPr/>
         </p:nvSpPr>
         <p:spPr>
           <a:xfrm>
-            <a:off x="4763622" y="7125089"/>
+            <a:off x="4763622" y="7841401"/>
             <a:ext cx="1022598" cy="369332"/>
           </a:xfrm>
           <a:prstGeom prst="rect">
@@ -9921,13 +9921,13 @@
       </p:sp>
       <p:sp>
         <p:nvSpPr>
-          <p:cNvPr id="197" name="TextBox 196"/>
+          <p:cNvPr id="420" name="TextBox 419"/>
           <p:cNvSpPr txBox="1"/>
           <p:nvPr/>
         </p:nvSpPr>
         <p:spPr>
           <a:xfrm>
-            <a:off x="735921" y="7125089"/>
+            <a:off x="735921" y="7841401"/>
             <a:ext cx="843475" cy="369332"/>
           </a:xfrm>
           <a:prstGeom prst="rect">
@@ -9959,7 +9959,7 @@
       </p:sp>
       <p:cxnSp>
         <p:nvCxnSpPr>
-          <p:cNvPr id="4" name="Straight Arrow Connector 3"/>
+          <p:cNvPr id="421" name="Straight Arrow Connector 420"/>
           <p:cNvCxnSpPr/>
           <p:nvPr/>
         </p:nvCxnSpPr>
@@ -9995,7 +9995,7 @@
       </p:cxnSp>
       <p:cxnSp>
         <p:nvCxnSpPr>
-          <p:cNvPr id="60" name="Straight Arrow Connector 59"/>
+          <p:cNvPr id="422" name="Straight Arrow Connector 421"/>
           <p:cNvCxnSpPr/>
           <p:nvPr/>
         </p:nvCxnSpPr>
@@ -10031,7 +10031,7 @@
       </p:cxnSp>
       <p:cxnSp>
         <p:nvCxnSpPr>
-          <p:cNvPr id="61" name="Straight Arrow Connector 60"/>
+          <p:cNvPr id="423" name="Straight Arrow Connector 422"/>
           <p:cNvCxnSpPr/>
           <p:nvPr/>
         </p:nvCxnSpPr>
@@ -10067,7 +10067,7 @@
       </p:cxnSp>
       <p:cxnSp>
         <p:nvCxnSpPr>
-          <p:cNvPr id="63" name="Straight Arrow Connector 62"/>
+          <p:cNvPr id="424" name="Straight Arrow Connector 423"/>
           <p:cNvCxnSpPr/>
           <p:nvPr/>
         </p:nvCxnSpPr>
@@ -10103,7 +10103,7 @@
       </p:cxnSp>
       <p:cxnSp>
         <p:nvCxnSpPr>
-          <p:cNvPr id="64" name="Straight Arrow Connector 63"/>
+          <p:cNvPr id="425" name="Straight Arrow Connector 424"/>
           <p:cNvCxnSpPr/>
           <p:nvPr/>
         </p:nvCxnSpPr>
@@ -10139,13 +10139,13 @@
       </p:cxnSp>
       <p:cxnSp>
         <p:nvCxnSpPr>
-          <p:cNvPr id="65" name="Straight Arrow Connector 64"/>
+          <p:cNvPr id="426" name="Straight Arrow Connector 425"/>
           <p:cNvCxnSpPr/>
           <p:nvPr/>
         </p:nvCxnSpPr>
         <p:spPr>
           <a:xfrm>
-            <a:off x="8775568" y="6107848"/>
+            <a:off x="8775568" y="6824160"/>
             <a:ext cx="252000" cy="0"/>
           </a:xfrm>
           <a:prstGeom prst="straightConnector1">
@@ -10175,13 +10175,13 @@
       </p:cxnSp>
       <p:cxnSp>
         <p:nvCxnSpPr>
-          <p:cNvPr id="66" name="Straight Arrow Connector 65"/>
+          <p:cNvPr id="427" name="Straight Arrow Connector 426"/>
           <p:cNvCxnSpPr/>
           <p:nvPr/>
         </p:nvCxnSpPr>
         <p:spPr>
           <a:xfrm>
-            <a:off x="6784950" y="6110597"/>
+            <a:off x="6784950" y="6826909"/>
             <a:ext cx="252000" cy="0"/>
           </a:xfrm>
           <a:prstGeom prst="straightConnector1">
@@ -10211,13 +10211,13 @@
       </p:cxnSp>
       <p:cxnSp>
         <p:nvCxnSpPr>
-          <p:cNvPr id="67" name="Straight Arrow Connector 66"/>
+          <p:cNvPr id="428" name="Straight Arrow Connector 427"/>
           <p:cNvCxnSpPr/>
           <p:nvPr/>
         </p:nvCxnSpPr>
         <p:spPr>
           <a:xfrm>
-            <a:off x="4753163" y="6110598"/>
+            <a:off x="4753163" y="6826910"/>
             <a:ext cx="252000" cy="0"/>
           </a:xfrm>
           <a:prstGeom prst="straightConnector1">
@@ -10247,13 +10247,13 @@
       </p:cxnSp>
       <p:cxnSp>
         <p:nvCxnSpPr>
-          <p:cNvPr id="68" name="Straight Arrow Connector 67"/>
+          <p:cNvPr id="429" name="Straight Arrow Connector 428"/>
           <p:cNvCxnSpPr/>
           <p:nvPr/>
         </p:nvCxnSpPr>
         <p:spPr>
           <a:xfrm>
-            <a:off x="2754028" y="6106524"/>
+            <a:off x="2754028" y="6822836"/>
             <a:ext cx="252000" cy="0"/>
           </a:xfrm>
           <a:prstGeom prst="straightConnector1">
@@ -10283,13 +10283,13 @@
       </p:cxnSp>
       <p:cxnSp>
         <p:nvCxnSpPr>
-          <p:cNvPr id="69" name="Straight Arrow Connector 68"/>
+          <p:cNvPr id="430" name="Straight Arrow Connector 429"/>
           <p:cNvCxnSpPr/>
           <p:nvPr/>
         </p:nvCxnSpPr>
         <p:spPr>
           <a:xfrm>
-            <a:off x="735921" y="6110598"/>
+            <a:off x="735921" y="6826910"/>
             <a:ext cx="252000" cy="0"/>
           </a:xfrm>
           <a:prstGeom prst="straightConnector1">

--- a/Chapter7/Figures/Fig3.pptx
+++ b/Chapter7/Figures/Fig3.pptx
@@ -7,7 +7,7 @@
   <p:sldIdLst>
     <p:sldId id="256" r:id="rId2"/>
   </p:sldIdLst>
-  <p:sldSz cx="10801350" cy="11880850"/>
+  <p:sldSz cx="10801350" cy="11701463"/>
   <p:notesSz cx="6858000" cy="9144000"/>
   <p:defaultTextStyle>
     <a:defPPr>
@@ -136,8 +136,8 @@
         </p:nvSpPr>
         <p:spPr>
           <a:xfrm>
-            <a:off x="810112" y="3690772"/>
-            <a:ext cx="9181149" cy="2546681"/>
+            <a:off x="810112" y="3635046"/>
+            <a:ext cx="9181149" cy="2508230"/>
           </a:xfrm>
         </p:spPr>
         <p:txBody>
@@ -164,8 +164,8 @@
         </p:nvSpPr>
         <p:spPr>
           <a:xfrm>
-            <a:off x="1620214" y="6732487"/>
-            <a:ext cx="7560945" cy="3036218"/>
+            <a:off x="1620214" y="6630835"/>
+            <a:ext cx="7560945" cy="2990374"/>
           </a:xfrm>
         </p:spPr>
         <p:txBody>
@@ -288,7 +288,7 @@
           <a:p>
             <a:fld id="{4D792E19-0BEC-4B8D-B7D3-C8ECEB03A1A5}" type="datetimeFigureOut">
               <a:rPr lang="en-GB" smtClean="0"/>
-              <a:t>10/09/2014</a:t>
+              <a:t>27/09/2014</a:t>
             </a:fld>
             <a:endParaRPr lang="en-GB"/>
           </a:p>
@@ -458,7 +458,7 @@
           <a:p>
             <a:fld id="{4D792E19-0BEC-4B8D-B7D3-C8ECEB03A1A5}" type="datetimeFigureOut">
               <a:rPr lang="en-GB" smtClean="0"/>
-              <a:t>10/09/2014</a:t>
+              <a:t>27/09/2014</a:t>
             </a:fld>
             <a:endParaRPr lang="en-GB"/>
           </a:p>
@@ -548,8 +548,8 @@
         </p:nvSpPr>
         <p:spPr>
           <a:xfrm>
-            <a:off x="7830993" y="475791"/>
-            <a:ext cx="2430303" cy="10137226"/>
+            <a:off x="7831000" y="468609"/>
+            <a:ext cx="2430303" cy="9984166"/>
           </a:xfrm>
         </p:spPr>
         <p:txBody>
@@ -576,8 +576,8 @@
         </p:nvSpPr>
         <p:spPr>
           <a:xfrm>
-            <a:off x="540069" y="475791"/>
-            <a:ext cx="7110888" cy="10137226"/>
+            <a:off x="540069" y="468609"/>
+            <a:ext cx="7110888" cy="9984166"/>
           </a:xfrm>
         </p:spPr>
         <p:txBody>
@@ -638,7 +638,7 @@
           <a:p>
             <a:fld id="{4D792E19-0BEC-4B8D-B7D3-C8ECEB03A1A5}" type="datetimeFigureOut">
               <a:rPr lang="en-GB" smtClean="0"/>
-              <a:t>10/09/2014</a:t>
+              <a:t>27/09/2014</a:t>
             </a:fld>
             <a:endParaRPr lang="en-GB"/>
           </a:p>
@@ -808,7 +808,7 @@
           <a:p>
             <a:fld id="{4D792E19-0BEC-4B8D-B7D3-C8ECEB03A1A5}" type="datetimeFigureOut">
               <a:rPr lang="en-GB" smtClean="0"/>
-              <a:t>10/09/2014</a:t>
+              <a:t>27/09/2014</a:t>
             </a:fld>
             <a:endParaRPr lang="en-GB"/>
           </a:p>
@@ -898,8 +898,8 @@
         </p:nvSpPr>
         <p:spPr>
           <a:xfrm>
-            <a:off x="853245" y="7634553"/>
-            <a:ext cx="9181149" cy="2359668"/>
+            <a:off x="853246" y="7519281"/>
+            <a:ext cx="9181149" cy="2324039"/>
           </a:xfrm>
         </p:spPr>
         <p:txBody>
@@ -930,8 +930,8 @@
         </p:nvSpPr>
         <p:spPr>
           <a:xfrm>
-            <a:off x="853245" y="5035619"/>
-            <a:ext cx="9181149" cy="2598936"/>
+            <a:off x="853246" y="4959588"/>
+            <a:ext cx="9181149" cy="2559696"/>
           </a:xfrm>
         </p:spPr>
         <p:txBody>
@@ -1054,7 +1054,7 @@
           <a:p>
             <a:fld id="{4D792E19-0BEC-4B8D-B7D3-C8ECEB03A1A5}" type="datetimeFigureOut">
               <a:rPr lang="en-GB" smtClean="0"/>
-              <a:t>10/09/2014</a:t>
+              <a:t>27/09/2014</a:t>
             </a:fld>
             <a:endParaRPr lang="en-GB"/>
           </a:p>
@@ -1167,8 +1167,8 @@
         </p:nvSpPr>
         <p:spPr>
           <a:xfrm>
-            <a:off x="540076" y="2772205"/>
-            <a:ext cx="4770597" cy="7840814"/>
+            <a:off x="540076" y="2730351"/>
+            <a:ext cx="4770597" cy="7722427"/>
           </a:xfrm>
         </p:spPr>
         <p:txBody>
@@ -1252,8 +1252,8 @@
         </p:nvSpPr>
         <p:spPr>
           <a:xfrm>
-            <a:off x="5490695" y="2772205"/>
-            <a:ext cx="4770597" cy="7840814"/>
+            <a:off x="5490695" y="2730351"/>
+            <a:ext cx="4770597" cy="7722427"/>
           </a:xfrm>
         </p:spPr>
         <p:txBody>
@@ -1342,7 +1342,7 @@
           <a:p>
             <a:fld id="{4D792E19-0BEC-4B8D-B7D3-C8ECEB03A1A5}" type="datetimeFigureOut">
               <a:rPr lang="en-GB" smtClean="0"/>
-              <a:t>10/09/2014</a:t>
+              <a:t>27/09/2014</a:t>
             </a:fld>
             <a:endParaRPr lang="en-GB"/>
           </a:p>
@@ -1459,8 +1459,8 @@
         </p:nvSpPr>
         <p:spPr>
           <a:xfrm>
-            <a:off x="540072" y="2659447"/>
-            <a:ext cx="4772472" cy="1108329"/>
+            <a:off x="540072" y="2619296"/>
+            <a:ext cx="4772472" cy="1091594"/>
           </a:xfrm>
         </p:spPr>
         <p:txBody>
@@ -1524,8 +1524,8 @@
         </p:nvSpPr>
         <p:spPr>
           <a:xfrm>
-            <a:off x="540072" y="3767775"/>
-            <a:ext cx="4772472" cy="6845242"/>
+            <a:off x="540072" y="3710888"/>
+            <a:ext cx="4772472" cy="6741887"/>
           </a:xfrm>
         </p:spPr>
         <p:txBody>
@@ -1609,8 +1609,8 @@
         </p:nvSpPr>
         <p:spPr>
           <a:xfrm>
-            <a:off x="5486952" y="2659447"/>
-            <a:ext cx="4774347" cy="1108329"/>
+            <a:off x="5486959" y="2619296"/>
+            <a:ext cx="4774347" cy="1091594"/>
           </a:xfrm>
         </p:spPr>
         <p:txBody>
@@ -1674,8 +1674,8 @@
         </p:nvSpPr>
         <p:spPr>
           <a:xfrm>
-            <a:off x="5486952" y="3767775"/>
-            <a:ext cx="4774347" cy="6845242"/>
+            <a:off x="5486959" y="3710888"/>
+            <a:ext cx="4774347" cy="6741887"/>
           </a:xfrm>
         </p:spPr>
         <p:txBody>
@@ -1764,7 +1764,7 @@
           <a:p>
             <a:fld id="{4D792E19-0BEC-4B8D-B7D3-C8ECEB03A1A5}" type="datetimeFigureOut">
               <a:rPr lang="en-GB" smtClean="0"/>
-              <a:t>10/09/2014</a:t>
+              <a:t>27/09/2014</a:t>
             </a:fld>
             <a:endParaRPr lang="en-GB"/>
           </a:p>
@@ -1882,7 +1882,7 @@
           <a:p>
             <a:fld id="{4D792E19-0BEC-4B8D-B7D3-C8ECEB03A1A5}" type="datetimeFigureOut">
               <a:rPr lang="en-GB" smtClean="0"/>
-              <a:t>10/09/2014</a:t>
+              <a:t>27/09/2014</a:t>
             </a:fld>
             <a:endParaRPr lang="en-GB"/>
           </a:p>
@@ -1977,7 +1977,7 @@
           <a:p>
             <a:fld id="{4D792E19-0BEC-4B8D-B7D3-C8ECEB03A1A5}" type="datetimeFigureOut">
               <a:rPr lang="en-GB" smtClean="0"/>
-              <a:t>10/09/2014</a:t>
+              <a:t>27/09/2014</a:t>
             </a:fld>
             <a:endParaRPr lang="en-GB"/>
           </a:p>
@@ -2067,8 +2067,8 @@
         </p:nvSpPr>
         <p:spPr>
           <a:xfrm>
-            <a:off x="540087" y="473040"/>
-            <a:ext cx="3553569" cy="2013145"/>
+            <a:off x="540094" y="465899"/>
+            <a:ext cx="3553569" cy="1982750"/>
           </a:xfrm>
         </p:spPr>
         <p:txBody>
@@ -2099,8 +2099,8 @@
         </p:nvSpPr>
         <p:spPr>
           <a:xfrm>
-            <a:off x="4223031" y="473040"/>
-            <a:ext cx="6038256" cy="10139978"/>
+            <a:off x="4223031" y="465900"/>
+            <a:ext cx="6038256" cy="9986876"/>
           </a:xfrm>
         </p:spPr>
         <p:txBody>
@@ -2184,8 +2184,8 @@
         </p:nvSpPr>
         <p:spPr>
           <a:xfrm>
-            <a:off x="540087" y="2486178"/>
-            <a:ext cx="3553569" cy="8126832"/>
+            <a:off x="540094" y="2448639"/>
+            <a:ext cx="3553569" cy="8004126"/>
           </a:xfrm>
         </p:spPr>
         <p:txBody>
@@ -2254,7 +2254,7 @@
           <a:p>
             <a:fld id="{4D792E19-0BEC-4B8D-B7D3-C8ECEB03A1A5}" type="datetimeFigureOut">
               <a:rPr lang="en-GB" smtClean="0"/>
-              <a:t>10/09/2014</a:t>
+              <a:t>27/09/2014</a:t>
             </a:fld>
             <a:endParaRPr lang="en-GB"/>
           </a:p>
@@ -2344,8 +2344,8 @@
         </p:nvSpPr>
         <p:spPr>
           <a:xfrm>
-            <a:off x="2117142" y="8316601"/>
-            <a:ext cx="6480810" cy="981820"/>
+            <a:off x="2117142" y="8191030"/>
+            <a:ext cx="6480810" cy="966995"/>
           </a:xfrm>
         </p:spPr>
         <p:txBody>
@@ -2376,8 +2376,8 @@
         </p:nvSpPr>
         <p:spPr>
           <a:xfrm>
-            <a:off x="2117142" y="1061582"/>
-            <a:ext cx="6480810" cy="7128510"/>
+            <a:off x="2117142" y="1045554"/>
+            <a:ext cx="6480810" cy="7020878"/>
           </a:xfrm>
         </p:spPr>
         <p:txBody>
@@ -2437,8 +2437,8 @@
         </p:nvSpPr>
         <p:spPr>
           <a:xfrm>
-            <a:off x="2117142" y="9298419"/>
-            <a:ext cx="6480810" cy="1394350"/>
+            <a:off x="2117142" y="9158026"/>
+            <a:ext cx="6480810" cy="1373298"/>
           </a:xfrm>
         </p:spPr>
         <p:txBody>
@@ -2507,7 +2507,7 @@
           <a:p>
             <a:fld id="{4D792E19-0BEC-4B8D-B7D3-C8ECEB03A1A5}" type="datetimeFigureOut">
               <a:rPr lang="en-GB" smtClean="0"/>
-              <a:t>10/09/2014</a:t>
+              <a:t>27/09/2014</a:t>
             </a:fld>
             <a:endParaRPr lang="en-GB"/>
           </a:p>
@@ -2602,8 +2602,8 @@
         </p:nvSpPr>
         <p:spPr>
           <a:xfrm>
-            <a:off x="540079" y="475793"/>
-            <a:ext cx="9721215" cy="1980141"/>
+            <a:off x="540079" y="468609"/>
+            <a:ext cx="9721215" cy="1950244"/>
           </a:xfrm>
           <a:prstGeom prst="rect">
             <a:avLst/>
@@ -2635,8 +2635,8 @@
         </p:nvSpPr>
         <p:spPr>
           <a:xfrm>
-            <a:off x="540079" y="2772205"/>
-            <a:ext cx="9721215" cy="7840814"/>
+            <a:off x="540079" y="2730351"/>
+            <a:ext cx="9721215" cy="7722427"/>
           </a:xfrm>
           <a:prstGeom prst="rect">
             <a:avLst/>
@@ -2697,8 +2697,8 @@
         </p:nvSpPr>
         <p:spPr>
           <a:xfrm>
-            <a:off x="540083" y="11011794"/>
-            <a:ext cx="2520315" cy="632546"/>
+            <a:off x="540083" y="10845530"/>
+            <a:ext cx="2520315" cy="622996"/>
           </a:xfrm>
           <a:prstGeom prst="rect">
             <a:avLst/>
@@ -2720,7 +2720,7 @@
           <a:p>
             <a:fld id="{4D792E19-0BEC-4B8D-B7D3-C8ECEB03A1A5}" type="datetimeFigureOut">
               <a:rPr lang="en-GB" smtClean="0"/>
-              <a:t>10/09/2014</a:t>
+              <a:t>27/09/2014</a:t>
             </a:fld>
             <a:endParaRPr lang="en-GB"/>
           </a:p>
@@ -2738,8 +2738,8 @@
         </p:nvSpPr>
         <p:spPr>
           <a:xfrm>
-            <a:off x="3690472" y="11011794"/>
-            <a:ext cx="3420429" cy="632546"/>
+            <a:off x="3690472" y="10845530"/>
+            <a:ext cx="3420429" cy="622996"/>
           </a:xfrm>
           <a:prstGeom prst="rect">
             <a:avLst/>
@@ -2775,8 +2775,8 @@
         </p:nvSpPr>
         <p:spPr>
           <a:xfrm>
-            <a:off x="7740984" y="11011794"/>
-            <a:ext cx="2520315" cy="632546"/>
+            <a:off x="7740991" y="10845530"/>
+            <a:ext cx="2520315" cy="622996"/>
           </a:xfrm>
           <a:prstGeom prst="rect">
             <a:avLst/>
@@ -3097,7 +3097,7 @@
       </p:grpSpPr>
       <p:pic>
         <p:nvPicPr>
-          <p:cNvPr id="366" name="Picture 2" descr="C:\Users\Wendy\Documents\wwn20\Thesis\Chapter7\Figures\Fig3\Spec_TM.png"/>
+          <p:cNvPr id="327" name="Picture 2" descr="C:\Users\Wendy\Documents\wwn20\Thesis\Chapter7\Figures\Fig3\Spec_TM.png"/>
           <p:cNvPicPr>
             <a:picLocks noChangeAspect="1" noChangeArrowheads="1"/>
           </p:cNvPicPr>
@@ -3118,7 +3118,7 @@
         </p:blipFill>
         <p:spPr bwMode="auto">
           <a:xfrm>
-            <a:off x="1401095" y="2745360"/>
+            <a:off x="1401095" y="2703025"/>
             <a:ext cx="4680000" cy="3177528"/>
           </a:xfrm>
           <a:prstGeom prst="rect">
@@ -3138,7 +3138,7 @@
       </p:pic>
       <p:pic>
         <p:nvPicPr>
-          <p:cNvPr id="367" name="Picture 14" descr="C:\Users\Wendy\Documents\wwn20\Thesis\Chapter7\Figures\Fig3\Scale.png"/>
+          <p:cNvPr id="328" name="Picture 14" descr="C:\Users\Wendy\Documents\wwn20\Thesis\Chapter7\Figures\Fig3\Scale.png"/>
           <p:cNvPicPr>
             <a:picLocks noChangeAspect="1" noChangeArrowheads="1"/>
           </p:cNvPicPr>
@@ -3157,7 +3157,7 @@
         </p:blipFill>
         <p:spPr bwMode="auto">
           <a:xfrm>
-            <a:off x="7921350" y="10882802"/>
+            <a:off x="7921350" y="10796579"/>
             <a:ext cx="2880000" cy="881910"/>
           </a:xfrm>
           <a:prstGeom prst="rect">
@@ -3177,7 +3177,7 @@
       </p:pic>
       <p:pic>
         <p:nvPicPr>
-          <p:cNvPr id="368" name="Picture 13" descr="C:\Users\Wendy\Documents\wwn20\Thesis\Chapter7\Figures\Fig3\Spec_TE.png"/>
+          <p:cNvPr id="329" name="Picture 13" descr="C:\Users\Wendy\Documents\wwn20\Thesis\Chapter7\Figures\Fig3\Spec_TE.png"/>
           <p:cNvPicPr>
             <a:picLocks noChangeAspect="1" noChangeArrowheads="1"/>
           </p:cNvPicPr>
@@ -3198,7 +3198,7 @@
         </p:blipFill>
         <p:spPr bwMode="auto">
           <a:xfrm>
-            <a:off x="1405163" y="8587184"/>
+            <a:off x="1405163" y="8500961"/>
             <a:ext cx="4680000" cy="3177528"/>
           </a:xfrm>
           <a:prstGeom prst="rect">
@@ -3218,7 +3218,7 @@
       </p:pic>
       <p:pic>
         <p:nvPicPr>
-          <p:cNvPr id="369" name="Picture 11" descr="C:\Users\Wendy\Documents\wwn20\Thesis\Chapter7\Figures\Fig3\CHPI_ETFE_90_TE.png"/>
+          <p:cNvPr id="330" name="Picture 11" descr="C:\Users\Wendy\Documents\wwn20\Thesis\Chapter7\Figures\Fig3\CHPI_ETFE_90_TE.png"/>
           <p:cNvPicPr>
             <a:picLocks noChangeAspect="1" noChangeArrowheads="1"/>
           </p:cNvPicPr>
@@ -3237,7 +3237,7 @@
         </p:blipFill>
         <p:spPr bwMode="auto">
           <a:xfrm>
-            <a:off x="8509368" y="6282345"/>
+            <a:off x="8509368" y="6196122"/>
             <a:ext cx="2219899" cy="2160001"/>
           </a:xfrm>
           <a:prstGeom prst="rect">
@@ -3257,7 +3257,7 @@
       </p:pic>
       <p:pic>
         <p:nvPicPr>
-          <p:cNvPr id="370" name="Picture 10" descr="C:\Users\Wendy\Documents\wwn20\Thesis\Chapter7\Figures\Fig3\CHPI_ETFE_60_TE.png"/>
+          <p:cNvPr id="331" name="Picture 10" descr="C:\Users\Wendy\Documents\wwn20\Thesis\Chapter7\Figures\Fig3\CHPI_ETFE_60_TE.png"/>
           <p:cNvPicPr>
             <a:picLocks noChangeAspect="1" noChangeArrowheads="1"/>
           </p:cNvPicPr>
@@ -3276,7 +3276,7 @@
         </p:blipFill>
         <p:spPr bwMode="auto">
           <a:xfrm>
-            <a:off x="6489850" y="6268698"/>
+            <a:off x="6489850" y="6182475"/>
             <a:ext cx="2233547" cy="2160000"/>
           </a:xfrm>
           <a:prstGeom prst="rect">
@@ -3296,7 +3296,7 @@
       </p:pic>
       <p:pic>
         <p:nvPicPr>
-          <p:cNvPr id="371" name="Picture 9" descr="C:\Users\Wendy\Documents\wwn20\Thesis\Chapter7\Figures\Fig3\CHPI_ETFE_40_TE.png"/>
+          <p:cNvPr id="332" name="Picture 9" descr="C:\Users\Wendy\Documents\wwn20\Thesis\Chapter7\Figures\Fig3\CHPI_ETFE_40_TE.png"/>
           <p:cNvPicPr>
             <a:picLocks noChangeAspect="1" noChangeArrowheads="1"/>
           </p:cNvPicPr>
@@ -3315,7 +3315,7 @@
         </p:blipFill>
         <p:spPr bwMode="auto">
           <a:xfrm>
-            <a:off x="4479177" y="6268698"/>
+            <a:off x="4479177" y="6182475"/>
             <a:ext cx="2233548" cy="2160000"/>
           </a:xfrm>
           <a:prstGeom prst="rect">
@@ -3335,7 +3335,7 @@
       </p:pic>
       <p:pic>
         <p:nvPicPr>
-          <p:cNvPr id="372" name="Picture 8" descr="C:\Users\Wendy\Documents\wwn20\Thesis\Chapter7\Figures\Fig3\CHPI_ETFE_20_TE.png"/>
+          <p:cNvPr id="333" name="Picture 8" descr="C:\Users\Wendy\Documents\wwn20\Thesis\Chapter7\Figures\Fig3\CHPI_ETFE_20_TE.png"/>
           <p:cNvPicPr>
             <a:picLocks noChangeAspect="1" noChangeArrowheads="1"/>
           </p:cNvPicPr>
@@ -3354,7 +3354,7 @@
         </p:blipFill>
         <p:spPr bwMode="auto">
           <a:xfrm>
-            <a:off x="2438241" y="6277608"/>
+            <a:off x="2438241" y="6191385"/>
             <a:ext cx="2264609" cy="2151090"/>
           </a:xfrm>
           <a:prstGeom prst="rect">
@@ -3374,7 +3374,7 @@
       </p:pic>
       <p:pic>
         <p:nvPicPr>
-          <p:cNvPr id="373" name="Picture 7" descr="C:\Users\Wendy\Documents\wwn20\Thesis\Chapter7\Figures\Fig3\CHPI_ETFE_0_TE.png"/>
+          <p:cNvPr id="334" name="Picture 7" descr="C:\Users\Wendy\Documents\wwn20\Thesis\Chapter7\Figures\Fig3\CHPI_ETFE_0_TE.png"/>
           <p:cNvPicPr>
             <a:picLocks noChangeAspect="1" noChangeArrowheads="1"/>
           </p:cNvPicPr>
@@ -3393,7 +3393,7 @@
         </p:blipFill>
         <p:spPr bwMode="auto">
           <a:xfrm>
-            <a:off x="432850" y="6268698"/>
+            <a:off x="432850" y="6182475"/>
             <a:ext cx="2253637" cy="2160000"/>
           </a:xfrm>
           <a:prstGeom prst="rect">
@@ -3413,7 +3413,7 @@
       </p:pic>
       <p:pic>
         <p:nvPicPr>
-          <p:cNvPr id="374" name="Picture 2" descr="C:\Users\Wendy\Documents\wwn20\Thesis\Chapter7\Figures\Fig3\CHPI_ETFE_90_TM.png"/>
+          <p:cNvPr id="335" name="Picture 2" descr="C:\Users\Wendy\Documents\wwn20\Thesis\Chapter7\Figures\Fig3\CHPI_ETFE_90_TM.png"/>
           <p:cNvPicPr>
             <a:picLocks noChangeAspect="1" noChangeArrowheads="1"/>
           </p:cNvPicPr>
@@ -3432,7 +3432,7 @@
         </p:blipFill>
         <p:spPr bwMode="auto">
           <a:xfrm>
-            <a:off x="8459011" y="435491"/>
+            <a:off x="8459011" y="393156"/>
             <a:ext cx="2254255" cy="2160000"/>
           </a:xfrm>
           <a:prstGeom prst="rect">
@@ -3452,7 +3452,7 @@
       </p:pic>
       <p:pic>
         <p:nvPicPr>
-          <p:cNvPr id="375" name="Picture 3" descr="C:\Users\Wendy\Documents\wwn20\Thesis\Chapter7\Figures\Fig3\CHPI_ETFE_60_TM.png"/>
+          <p:cNvPr id="336" name="Picture 3" descr="C:\Users\Wendy\Documents\wwn20\Thesis\Chapter7\Figures\Fig3\CHPI_ETFE_60_TM.png"/>
           <p:cNvPicPr>
             <a:picLocks noChangeAspect="1" noChangeArrowheads="1"/>
           </p:cNvPicPr>
@@ -3471,7 +3471,7 @@
         </p:blipFill>
         <p:spPr bwMode="auto">
           <a:xfrm>
-            <a:off x="6466647" y="419359"/>
+            <a:off x="6466647" y="377024"/>
             <a:ext cx="2233546" cy="2160000"/>
           </a:xfrm>
           <a:prstGeom prst="rect">
@@ -3491,7 +3491,7 @@
       </p:pic>
       <p:pic>
         <p:nvPicPr>
-          <p:cNvPr id="376" name="Picture 4" descr="C:\Users\Wendy\Documents\wwn20\Thesis\Chapter7\Figures\Fig3\CHPI_ETFE_40_TM.png"/>
+          <p:cNvPr id="337" name="Picture 4" descr="C:\Users\Wendy\Documents\wwn20\Thesis\Chapter7\Figures\Fig3\CHPI_ETFE_40_TM.png"/>
           <p:cNvPicPr>
             <a:picLocks noChangeAspect="1" noChangeArrowheads="1"/>
           </p:cNvPicPr>
@@ -3510,7 +3510,7 @@
         </p:blipFill>
         <p:spPr bwMode="auto">
           <a:xfrm>
-            <a:off x="4492327" y="433008"/>
+            <a:off x="4492327" y="390673"/>
             <a:ext cx="2222624" cy="2160001"/>
           </a:xfrm>
           <a:prstGeom prst="rect">
@@ -3530,7 +3530,7 @@
       </p:pic>
       <p:pic>
         <p:nvPicPr>
-          <p:cNvPr id="377" name="Picture 6" descr="C:\Users\Wendy\Documents\wwn20\Thesis\Chapter7\Figures\Fig3\CHPI_ETFE_20_TM.png"/>
+          <p:cNvPr id="338" name="Picture 6" descr="C:\Users\Wendy\Documents\wwn20\Thesis\Chapter7\Figures\Fig3\CHPI_ETFE_20_TM.png"/>
           <p:cNvPicPr>
             <a:picLocks noChangeAspect="1" noChangeArrowheads="1"/>
           </p:cNvPicPr>
@@ -3549,7 +3549,7 @@
         </p:blipFill>
         <p:spPr bwMode="auto">
           <a:xfrm>
-            <a:off x="2488731" y="441100"/>
+            <a:off x="2488731" y="398765"/>
             <a:ext cx="2225199" cy="2160001"/>
           </a:xfrm>
           <a:prstGeom prst="rect">
@@ -3569,7 +3569,7 @@
       </p:pic>
       <p:pic>
         <p:nvPicPr>
-          <p:cNvPr id="378" name="Picture 5" descr="C:\Users\Wendy\Documents\wwn20\Thesis\Chapter7\Figures\Fig3\CHPI_ETFE_0_TM.png"/>
+          <p:cNvPr id="339" name="Picture 5" descr="C:\Users\Wendy\Documents\wwn20\Thesis\Chapter7\Figures\Fig3\CHPI_ETFE_0_TM.png"/>
           <p:cNvPicPr>
             <a:picLocks noChangeAspect="1" noChangeArrowheads="1"/>
           </p:cNvPicPr>
@@ -3588,7 +3588,7 @@
         </p:blipFill>
         <p:spPr bwMode="auto">
           <a:xfrm>
-            <a:off x="460530" y="419359"/>
+            <a:off x="460530" y="377024"/>
             <a:ext cx="2260461" cy="2176132"/>
           </a:xfrm>
           <a:prstGeom prst="rect">
@@ -3608,13 +3608,13 @@
       </p:pic>
       <p:sp>
         <p:nvSpPr>
-          <p:cNvPr id="379" name="TextBox 378"/>
+          <p:cNvPr id="340" name="TextBox 339"/>
           <p:cNvSpPr txBox="1"/>
           <p:nvPr/>
         </p:nvSpPr>
         <p:spPr>
           <a:xfrm rot="16200000">
-            <a:off x="-853531" y="1071576"/>
+            <a:off x="-853531" y="1029241"/>
             <a:ext cx="2217242" cy="353943"/>
           </a:xfrm>
           <a:prstGeom prst="rect">
@@ -3644,13 +3644,13 @@
       </p:sp>
       <p:sp>
         <p:nvSpPr>
-          <p:cNvPr id="380" name="TextBox 379"/>
+          <p:cNvPr id="341" name="TextBox 340"/>
           <p:cNvSpPr txBox="1"/>
           <p:nvPr/>
         </p:nvSpPr>
         <p:spPr>
           <a:xfrm>
-            <a:off x="5183784" y="2526348"/>
+            <a:off x="5183784" y="2484013"/>
             <a:ext cx="972108" cy="353943"/>
           </a:xfrm>
           <a:prstGeom prst="rect">
@@ -3701,13 +3701,13 @@
       </p:sp>
       <p:sp>
         <p:nvSpPr>
-          <p:cNvPr id="381" name="TextBox 380"/>
+          <p:cNvPr id="342" name="TextBox 341"/>
           <p:cNvSpPr txBox="1"/>
           <p:nvPr/>
         </p:nvSpPr>
         <p:spPr>
           <a:xfrm>
-            <a:off x="648147" y="-29424"/>
+            <a:off x="648147" y="-71759"/>
             <a:ext cx="4123664" cy="477054"/>
           </a:xfrm>
           <a:prstGeom prst="rect">
@@ -3731,13 +3731,13 @@
       </p:sp>
       <p:sp>
         <p:nvSpPr>
-          <p:cNvPr id="382" name="TextBox 381"/>
+          <p:cNvPr id="343" name="TextBox 342"/>
           <p:cNvSpPr txBox="1"/>
           <p:nvPr/>
         </p:nvSpPr>
         <p:spPr>
           <a:xfrm>
-            <a:off x="648147" y="5856195"/>
+            <a:off x="648147" y="5769972"/>
             <a:ext cx="4123664" cy="477054"/>
           </a:xfrm>
           <a:prstGeom prst="rect">
@@ -3761,13 +3761,13 @@
       </p:sp>
       <p:sp>
         <p:nvSpPr>
-          <p:cNvPr id="383" name="TextBox 382"/>
+          <p:cNvPr id="344" name="TextBox 343"/>
           <p:cNvSpPr txBox="1"/>
           <p:nvPr/>
         </p:nvSpPr>
         <p:spPr>
           <a:xfrm rot="16200000">
-            <a:off x="-859566" y="6926109"/>
+            <a:off x="-859566" y="6839886"/>
             <a:ext cx="2217242" cy="353943"/>
           </a:xfrm>
           <a:prstGeom prst="rect">
@@ -3797,13 +3797,13 @@
       </p:sp>
       <p:sp>
         <p:nvSpPr>
-          <p:cNvPr id="384" name="TextBox 383"/>
+          <p:cNvPr id="345" name="TextBox 344"/>
           <p:cNvSpPr txBox="1"/>
           <p:nvPr/>
         </p:nvSpPr>
         <p:spPr>
           <a:xfrm>
-            <a:off x="5177749" y="8380881"/>
+            <a:off x="5177749" y="8294658"/>
             <a:ext cx="972108" cy="353943"/>
           </a:xfrm>
           <a:prstGeom prst="rect">
@@ -3854,13 +3854,13 @@
       </p:sp>
       <p:sp>
         <p:nvSpPr>
-          <p:cNvPr id="385" name="TextBox 384"/>
+          <p:cNvPr id="346" name="TextBox 345"/>
           <p:cNvSpPr txBox="1"/>
           <p:nvPr/>
         </p:nvSpPr>
         <p:spPr>
           <a:xfrm>
-            <a:off x="2770960" y="1987837"/>
+            <a:off x="2770960" y="1945502"/>
             <a:ext cx="1022598" cy="369332"/>
           </a:xfrm>
           <a:prstGeom prst="rect">
@@ -3892,13 +3892,13 @@
       </p:sp>
       <p:sp>
         <p:nvSpPr>
-          <p:cNvPr id="386" name="TextBox 385"/>
+          <p:cNvPr id="347" name="TextBox 346"/>
           <p:cNvSpPr txBox="1"/>
           <p:nvPr/>
         </p:nvSpPr>
         <p:spPr>
           <a:xfrm>
-            <a:off x="6748066" y="1987837"/>
+            <a:off x="6748066" y="1945502"/>
             <a:ext cx="1022598" cy="369332"/>
           </a:xfrm>
           <a:prstGeom prst="rect">
@@ -3930,13 +3930,13 @@
       </p:sp>
       <p:sp>
         <p:nvSpPr>
-          <p:cNvPr id="387" name="TextBox 386"/>
+          <p:cNvPr id="348" name="TextBox 347"/>
           <p:cNvSpPr txBox="1"/>
           <p:nvPr/>
         </p:nvSpPr>
         <p:spPr>
           <a:xfrm>
-            <a:off x="8737326" y="1987837"/>
+            <a:off x="8737326" y="1945502"/>
             <a:ext cx="1022598" cy="369332"/>
           </a:xfrm>
           <a:prstGeom prst="rect">
@@ -3968,13 +3968,13 @@
       </p:sp>
       <p:sp>
         <p:nvSpPr>
-          <p:cNvPr id="388" name="TextBox 387"/>
+          <p:cNvPr id="349" name="TextBox 348"/>
           <p:cNvSpPr txBox="1"/>
           <p:nvPr/>
         </p:nvSpPr>
         <p:spPr>
           <a:xfrm>
-            <a:off x="6763832" y="7841401"/>
+            <a:off x="6763832" y="7755178"/>
             <a:ext cx="1022598" cy="369332"/>
           </a:xfrm>
           <a:prstGeom prst="rect">
@@ -4006,13 +4006,13 @@
       </p:sp>
       <p:sp>
         <p:nvSpPr>
-          <p:cNvPr id="389" name="TextBox 388"/>
+          <p:cNvPr id="350" name="TextBox 349"/>
           <p:cNvSpPr txBox="1"/>
           <p:nvPr/>
         </p:nvSpPr>
         <p:spPr>
           <a:xfrm>
-            <a:off x="8797542" y="7841401"/>
+            <a:off x="8797542" y="7755178"/>
             <a:ext cx="1022598" cy="369332"/>
           </a:xfrm>
           <a:prstGeom prst="rect">
@@ -4044,13 +4044,13 @@
       </p:sp>
       <p:sp>
         <p:nvSpPr>
-          <p:cNvPr id="390" name="Freeform 389"/>
+          <p:cNvPr id="351" name="Freeform 350"/>
           <p:cNvSpPr/>
           <p:nvPr/>
         </p:nvSpPr>
         <p:spPr>
           <a:xfrm flipH="1">
-            <a:off x="5817801" y="2652903"/>
+            <a:off x="5817801" y="2610568"/>
             <a:ext cx="446970" cy="1109679"/>
           </a:xfrm>
           <a:custGeom>
@@ -4133,13 +4133,13 @@
       </p:sp>
       <p:sp>
         <p:nvSpPr>
-          <p:cNvPr id="391" name="Freeform 390"/>
+          <p:cNvPr id="352" name="Freeform 351"/>
           <p:cNvSpPr/>
           <p:nvPr/>
         </p:nvSpPr>
         <p:spPr>
           <a:xfrm>
-            <a:off x="834327" y="8428698"/>
+            <a:off x="834327" y="8342475"/>
             <a:ext cx="446970" cy="1109679"/>
           </a:xfrm>
           <a:custGeom>
@@ -4222,13 +4222,13 @@
       </p:sp>
       <p:cxnSp>
         <p:nvCxnSpPr>
-          <p:cNvPr id="392" name="Straight Connector 391"/>
+          <p:cNvPr id="353" name="Straight Connector 352"/>
           <p:cNvCxnSpPr/>
           <p:nvPr/>
         </p:nvCxnSpPr>
         <p:spPr>
           <a:xfrm>
-            <a:off x="5092734" y="512760"/>
+            <a:off x="5092734" y="470425"/>
             <a:ext cx="0" cy="1872000"/>
           </a:xfrm>
           <a:prstGeom prst="line">
@@ -4258,13 +4258,13 @@
       </p:cxnSp>
       <p:sp>
         <p:nvSpPr>
-          <p:cNvPr id="393" name="TextBox 392"/>
+          <p:cNvPr id="354" name="TextBox 353"/>
           <p:cNvSpPr txBox="1"/>
           <p:nvPr/>
         </p:nvSpPr>
         <p:spPr>
           <a:xfrm>
-            <a:off x="758255" y="1987837"/>
+            <a:off x="758255" y="1945502"/>
             <a:ext cx="843475" cy="369332"/>
           </a:xfrm>
           <a:prstGeom prst="rect">
@@ -4296,13 +4296,13 @@
       </p:sp>
       <p:cxnSp>
         <p:nvCxnSpPr>
-          <p:cNvPr id="394" name="Straight Connector 393"/>
+          <p:cNvPr id="355" name="Straight Connector 354"/>
           <p:cNvCxnSpPr/>
           <p:nvPr/>
         </p:nvCxnSpPr>
         <p:spPr>
           <a:xfrm>
-            <a:off x="5720511" y="512760"/>
+            <a:off x="5720511" y="470425"/>
             <a:ext cx="0" cy="1872000"/>
           </a:xfrm>
           <a:prstGeom prst="line">
@@ -4332,13 +4332,13 @@
       </p:cxnSp>
       <p:cxnSp>
         <p:nvCxnSpPr>
-          <p:cNvPr id="395" name="Straight Connector 394"/>
+          <p:cNvPr id="356" name="Straight Connector 355"/>
           <p:cNvCxnSpPr/>
           <p:nvPr/>
         </p:nvCxnSpPr>
         <p:spPr>
           <a:xfrm>
-            <a:off x="6329955" y="516590"/>
+            <a:off x="6329955" y="474255"/>
             <a:ext cx="0" cy="1872000"/>
           </a:xfrm>
           <a:prstGeom prst="line">
@@ -4368,13 +4368,13 @@
       </p:cxnSp>
       <p:cxnSp>
         <p:nvCxnSpPr>
-          <p:cNvPr id="396" name="Straight Connector 395"/>
+          <p:cNvPr id="357" name="Straight Connector 356"/>
           <p:cNvCxnSpPr/>
           <p:nvPr/>
         </p:nvCxnSpPr>
         <p:spPr>
           <a:xfrm>
-            <a:off x="1060735" y="6349591"/>
+            <a:off x="1060735" y="6263368"/>
             <a:ext cx="0" cy="1872000"/>
           </a:xfrm>
           <a:prstGeom prst="line">
@@ -4404,13 +4404,13 @@
       </p:cxnSp>
       <p:cxnSp>
         <p:nvCxnSpPr>
-          <p:cNvPr id="397" name="Straight Connector 396"/>
+          <p:cNvPr id="358" name="Straight Connector 357"/>
           <p:cNvCxnSpPr/>
           <p:nvPr/>
         </p:nvCxnSpPr>
         <p:spPr>
           <a:xfrm>
-            <a:off x="1679886" y="6349591"/>
+            <a:off x="1679886" y="6263368"/>
             <a:ext cx="0" cy="1872000"/>
           </a:xfrm>
           <a:prstGeom prst="line">
@@ -4440,13 +4440,13 @@
       </p:cxnSp>
       <p:cxnSp>
         <p:nvCxnSpPr>
-          <p:cNvPr id="398" name="Straight Connector 397"/>
+          <p:cNvPr id="359" name="Straight Connector 358"/>
           <p:cNvCxnSpPr/>
           <p:nvPr/>
         </p:nvCxnSpPr>
         <p:spPr>
           <a:xfrm>
-            <a:off x="2292705" y="6338173"/>
+            <a:off x="2292705" y="6251950"/>
             <a:ext cx="0" cy="1872000"/>
           </a:xfrm>
           <a:prstGeom prst="line">
@@ -4476,13 +4476,13 @@
       </p:cxnSp>
       <p:sp>
         <p:nvSpPr>
-          <p:cNvPr id="399" name="TextBox 398"/>
+          <p:cNvPr id="360" name="TextBox 359"/>
           <p:cNvSpPr txBox="1"/>
           <p:nvPr/>
         </p:nvSpPr>
         <p:spPr>
           <a:xfrm>
-            <a:off x="2383" y="-4834"/>
+            <a:off x="2383" y="-47169"/>
             <a:ext cx="645764" cy="477054"/>
           </a:xfrm>
           <a:prstGeom prst="rect">
@@ -4506,13 +4506,13 @@
       </p:sp>
       <p:sp>
         <p:nvSpPr>
-          <p:cNvPr id="400" name="TextBox 399"/>
+          <p:cNvPr id="361" name="TextBox 360"/>
           <p:cNvSpPr txBox="1"/>
           <p:nvPr/>
         </p:nvSpPr>
         <p:spPr>
           <a:xfrm>
-            <a:off x="2383" y="5847112"/>
+            <a:off x="2383" y="5760889"/>
             <a:ext cx="645764" cy="477054"/>
           </a:xfrm>
           <a:prstGeom prst="rect">
@@ -4536,13 +4536,13 @@
       </p:sp>
       <p:sp>
         <p:nvSpPr>
-          <p:cNvPr id="401" name="TextBox 400"/>
+          <p:cNvPr id="362" name="TextBox 361"/>
           <p:cNvSpPr txBox="1"/>
           <p:nvPr/>
         </p:nvSpPr>
         <p:spPr>
           <a:xfrm>
-            <a:off x="1154413" y="2698819"/>
+            <a:off x="1154413" y="2656484"/>
             <a:ext cx="645764" cy="477054"/>
           </a:xfrm>
           <a:prstGeom prst="rect">
@@ -4566,13 +4566,13 @@
       </p:sp>
       <p:sp>
         <p:nvSpPr>
-          <p:cNvPr id="402" name="TextBox 401"/>
+          <p:cNvPr id="363" name="TextBox 362"/>
           <p:cNvSpPr txBox="1"/>
           <p:nvPr/>
         </p:nvSpPr>
         <p:spPr>
           <a:xfrm>
-            <a:off x="1154413" y="8513471"/>
+            <a:off x="1154413" y="8427248"/>
             <a:ext cx="645764" cy="477054"/>
           </a:xfrm>
           <a:prstGeom prst="rect">
@@ -4596,13 +4596,13 @@
       </p:sp>
       <p:sp>
         <p:nvSpPr>
-          <p:cNvPr id="403" name="Freeform 402"/>
+          <p:cNvPr id="364" name="Freeform 363"/>
           <p:cNvSpPr/>
           <p:nvPr/>
         </p:nvSpPr>
         <p:spPr>
           <a:xfrm>
-            <a:off x="746547" y="7550965"/>
+            <a:off x="746547" y="7464742"/>
             <a:ext cx="679450" cy="635000"/>
           </a:xfrm>
           <a:custGeom>
@@ -5025,13 +5025,13 @@
       </p:sp>
       <p:sp>
         <p:nvSpPr>
-          <p:cNvPr id="404" name="Freeform 403"/>
+          <p:cNvPr id="365" name="Freeform 364"/>
           <p:cNvSpPr/>
           <p:nvPr/>
         </p:nvSpPr>
         <p:spPr>
           <a:xfrm>
-            <a:off x="2768187" y="7543175"/>
+            <a:off x="2768187" y="7456952"/>
             <a:ext cx="825500" cy="711200"/>
           </a:xfrm>
           <a:custGeom>
@@ -5616,13 +5616,13 @@
       </p:sp>
       <p:sp>
         <p:nvSpPr>
-          <p:cNvPr id="405" name="Freeform 404"/>
+          <p:cNvPr id="366" name="Freeform 365"/>
           <p:cNvSpPr/>
           <p:nvPr/>
         </p:nvSpPr>
         <p:spPr>
           <a:xfrm>
-            <a:off x="4771811" y="7505031"/>
+            <a:off x="4771811" y="7418808"/>
             <a:ext cx="1492960" cy="716560"/>
           </a:xfrm>
           <a:custGeom>
@@ -6287,13 +6287,13 @@
       </p:sp>
       <p:sp>
         <p:nvSpPr>
-          <p:cNvPr id="406" name="Freeform 405"/>
+          <p:cNvPr id="367" name="Freeform 366"/>
           <p:cNvSpPr/>
           <p:nvPr/>
         </p:nvSpPr>
         <p:spPr>
           <a:xfrm>
-            <a:off x="4771811" y="1716880"/>
+            <a:off x="4771811" y="1674545"/>
             <a:ext cx="1384081" cy="667880"/>
           </a:xfrm>
           <a:custGeom>
@@ -6958,13 +6958,13 @@
       </p:sp>
       <p:sp>
         <p:nvSpPr>
-          <p:cNvPr id="407" name="Freeform 406"/>
+          <p:cNvPr id="368" name="Freeform 367"/>
           <p:cNvSpPr/>
           <p:nvPr/>
         </p:nvSpPr>
         <p:spPr>
           <a:xfrm>
-            <a:off x="750498" y="6866946"/>
+            <a:off x="750498" y="6780723"/>
             <a:ext cx="362310" cy="207034"/>
           </a:xfrm>
           <a:custGeom>
@@ -7041,13 +7041,13 @@
       </p:sp>
       <p:sp>
         <p:nvSpPr>
-          <p:cNvPr id="408" name="Freeform 407"/>
+          <p:cNvPr id="369" name="Freeform 368"/>
           <p:cNvSpPr/>
           <p:nvPr/>
         </p:nvSpPr>
         <p:spPr>
           <a:xfrm>
-            <a:off x="2770960" y="6915829"/>
+            <a:off x="2770960" y="6829606"/>
             <a:ext cx="362310" cy="207034"/>
           </a:xfrm>
           <a:custGeom>
@@ -7124,13 +7124,13 @@
       </p:sp>
       <p:sp>
         <p:nvSpPr>
-          <p:cNvPr id="409" name="Freeform 408"/>
+          <p:cNvPr id="370" name="Freeform 369"/>
           <p:cNvSpPr/>
           <p:nvPr/>
         </p:nvSpPr>
         <p:spPr>
           <a:xfrm>
-            <a:off x="4771811" y="6970463"/>
+            <a:off x="4771811" y="6884240"/>
             <a:ext cx="362310" cy="207034"/>
           </a:xfrm>
           <a:custGeom>
@@ -7207,13 +7207,13 @@
       </p:sp>
       <p:sp>
         <p:nvSpPr>
-          <p:cNvPr id="410" name="Freeform 409"/>
+          <p:cNvPr id="371" name="Freeform 370"/>
           <p:cNvSpPr/>
           <p:nvPr/>
         </p:nvSpPr>
         <p:spPr>
           <a:xfrm>
-            <a:off x="6777061" y="1619392"/>
+            <a:off x="6777061" y="1577057"/>
             <a:ext cx="1846107" cy="179143"/>
           </a:xfrm>
           <a:custGeom>
@@ -8180,13 +8180,13 @@
       </p:sp>
       <p:sp>
         <p:nvSpPr>
-          <p:cNvPr id="411" name="Freeform 410"/>
+          <p:cNvPr id="372" name="Freeform 371"/>
           <p:cNvSpPr/>
           <p:nvPr/>
         </p:nvSpPr>
         <p:spPr>
           <a:xfrm>
-            <a:off x="6777061" y="1092200"/>
+            <a:off x="6777061" y="1049865"/>
             <a:ext cx="601649" cy="304244"/>
           </a:xfrm>
           <a:custGeom>
@@ -8287,13 +8287,13 @@
       </p:sp>
       <p:sp>
         <p:nvSpPr>
-          <p:cNvPr id="412" name="Freeform 411"/>
+          <p:cNvPr id="373" name="Freeform 372"/>
           <p:cNvSpPr/>
           <p:nvPr/>
         </p:nvSpPr>
         <p:spPr>
           <a:xfrm>
-            <a:off x="6784950" y="6926676"/>
+            <a:off x="6784950" y="6840453"/>
             <a:ext cx="601649" cy="304244"/>
           </a:xfrm>
           <a:custGeom>
@@ -8394,13 +8394,13 @@
       </p:sp>
       <p:sp>
         <p:nvSpPr>
-          <p:cNvPr id="413" name="Freeform 412"/>
+          <p:cNvPr id="374" name="Freeform 373"/>
           <p:cNvSpPr/>
           <p:nvPr/>
         </p:nvSpPr>
         <p:spPr>
           <a:xfrm>
-            <a:off x="8775568" y="1201774"/>
+            <a:off x="8775568" y="1159439"/>
             <a:ext cx="1077282" cy="289886"/>
           </a:xfrm>
           <a:custGeom>
@@ -9693,13 +9693,13 @@
       </p:sp>
       <p:cxnSp>
         <p:nvCxnSpPr>
-          <p:cNvPr id="414" name="Straight Arrow Connector 413"/>
+          <p:cNvPr id="375" name="Straight Arrow Connector 374"/>
           <p:cNvCxnSpPr/>
           <p:nvPr/>
         </p:nvCxnSpPr>
         <p:spPr>
           <a:xfrm>
-            <a:off x="4753163" y="4467830"/>
+            <a:off x="4753163" y="4425495"/>
             <a:ext cx="0" cy="360000"/>
           </a:xfrm>
           <a:prstGeom prst="straightConnector1">
@@ -9731,13 +9731,13 @@
       </p:cxnSp>
       <p:cxnSp>
         <p:nvCxnSpPr>
-          <p:cNvPr id="415" name="Straight Arrow Connector 414"/>
+          <p:cNvPr id="376" name="Straight Arrow Connector 375"/>
           <p:cNvCxnSpPr/>
           <p:nvPr/>
         </p:nvCxnSpPr>
         <p:spPr>
           <a:xfrm>
-            <a:off x="5264557" y="3636845"/>
+            <a:off x="5264557" y="3594510"/>
             <a:ext cx="0" cy="360000"/>
           </a:xfrm>
           <a:prstGeom prst="straightConnector1">
@@ -9769,13 +9769,13 @@
       </p:cxnSp>
       <p:cxnSp>
         <p:nvCxnSpPr>
-          <p:cNvPr id="416" name="Straight Arrow Connector 415"/>
+          <p:cNvPr id="377" name="Straight Arrow Connector 376"/>
           <p:cNvCxnSpPr/>
           <p:nvPr/>
         </p:nvCxnSpPr>
         <p:spPr>
           <a:xfrm>
-            <a:off x="4991515" y="10158027"/>
+            <a:off x="4991515" y="10071804"/>
             <a:ext cx="0" cy="360000"/>
           </a:xfrm>
           <a:prstGeom prst="straightConnector1">
@@ -9807,13 +9807,13 @@
       </p:cxnSp>
       <p:sp>
         <p:nvSpPr>
-          <p:cNvPr id="417" name="TextBox 416"/>
+          <p:cNvPr id="378" name="TextBox 377"/>
           <p:cNvSpPr txBox="1"/>
           <p:nvPr/>
         </p:nvSpPr>
         <p:spPr>
           <a:xfrm>
-            <a:off x="4766906" y="1987837"/>
+            <a:off x="4766906" y="1945502"/>
             <a:ext cx="1022598" cy="369332"/>
           </a:xfrm>
           <a:prstGeom prst="rect">
@@ -9845,13 +9845,13 @@
       </p:sp>
       <p:sp>
         <p:nvSpPr>
-          <p:cNvPr id="418" name="TextBox 417"/>
+          <p:cNvPr id="379" name="TextBox 378"/>
           <p:cNvSpPr txBox="1"/>
           <p:nvPr/>
         </p:nvSpPr>
         <p:spPr>
           <a:xfrm>
-            <a:off x="2767676" y="7841401"/>
+            <a:off x="2767676" y="7755178"/>
             <a:ext cx="1022598" cy="369332"/>
           </a:xfrm>
           <a:prstGeom prst="rect">
@@ -9883,13 +9883,13 @@
       </p:sp>
       <p:sp>
         <p:nvSpPr>
-          <p:cNvPr id="419" name="TextBox 418"/>
+          <p:cNvPr id="380" name="TextBox 379"/>
           <p:cNvSpPr txBox="1"/>
           <p:nvPr/>
         </p:nvSpPr>
         <p:spPr>
           <a:xfrm>
-            <a:off x="4763622" y="7841401"/>
+            <a:off x="4763622" y="7755178"/>
             <a:ext cx="1022598" cy="369332"/>
           </a:xfrm>
           <a:prstGeom prst="rect">
@@ -9921,13 +9921,13 @@
       </p:sp>
       <p:sp>
         <p:nvSpPr>
-          <p:cNvPr id="420" name="TextBox 419"/>
+          <p:cNvPr id="381" name="TextBox 380"/>
           <p:cNvSpPr txBox="1"/>
           <p:nvPr/>
         </p:nvSpPr>
         <p:spPr>
           <a:xfrm>
-            <a:off x="735921" y="7841401"/>
+            <a:off x="735921" y="7755178"/>
             <a:ext cx="843475" cy="369332"/>
           </a:xfrm>
           <a:prstGeom prst="rect">
@@ -9959,13 +9959,13 @@
       </p:sp>
       <p:cxnSp>
         <p:nvCxnSpPr>
-          <p:cNvPr id="421" name="Straight Arrow Connector 420"/>
+          <p:cNvPr id="382" name="Straight Arrow Connector 381"/>
           <p:cNvCxnSpPr/>
           <p:nvPr/>
         </p:nvCxnSpPr>
         <p:spPr>
           <a:xfrm>
-            <a:off x="769138" y="981632"/>
+            <a:off x="769138" y="939297"/>
             <a:ext cx="252000" cy="0"/>
           </a:xfrm>
           <a:prstGeom prst="straightConnector1">
@@ -9995,13 +9995,13 @@
       </p:cxnSp>
       <p:cxnSp>
         <p:nvCxnSpPr>
-          <p:cNvPr id="422" name="Straight Arrow Connector 421"/>
+          <p:cNvPr id="383" name="Straight Arrow Connector 382"/>
           <p:cNvCxnSpPr/>
           <p:nvPr/>
         </p:nvCxnSpPr>
         <p:spPr>
           <a:xfrm>
-            <a:off x="2788656" y="995280"/>
+            <a:off x="2788656" y="952945"/>
             <a:ext cx="252000" cy="0"/>
           </a:xfrm>
           <a:prstGeom prst="straightConnector1">
@@ -10031,13 +10031,13 @@
       </p:cxnSp>
       <p:cxnSp>
         <p:nvCxnSpPr>
-          <p:cNvPr id="423" name="Straight Arrow Connector 422"/>
+          <p:cNvPr id="384" name="Straight Arrow Connector 383"/>
           <p:cNvCxnSpPr/>
           <p:nvPr/>
         </p:nvCxnSpPr>
         <p:spPr>
           <a:xfrm>
-            <a:off x="4771811" y="996547"/>
+            <a:off x="4771811" y="954212"/>
             <a:ext cx="252000" cy="0"/>
           </a:xfrm>
           <a:prstGeom prst="straightConnector1">
@@ -10067,13 +10067,13 @@
       </p:cxnSp>
       <p:cxnSp>
         <p:nvCxnSpPr>
-          <p:cNvPr id="424" name="Straight Arrow Connector 423"/>
+          <p:cNvPr id="385" name="Straight Arrow Connector 384"/>
           <p:cNvCxnSpPr/>
           <p:nvPr/>
         </p:nvCxnSpPr>
         <p:spPr>
           <a:xfrm>
-            <a:off x="6777563" y="988456"/>
+            <a:off x="6777563" y="946121"/>
             <a:ext cx="252000" cy="0"/>
           </a:xfrm>
           <a:prstGeom prst="straightConnector1">
@@ -10103,13 +10103,13 @@
       </p:cxnSp>
       <p:cxnSp>
         <p:nvCxnSpPr>
-          <p:cNvPr id="425" name="Straight Arrow Connector 424"/>
+          <p:cNvPr id="386" name="Straight Arrow Connector 385"/>
           <p:cNvCxnSpPr/>
           <p:nvPr/>
         </p:nvCxnSpPr>
         <p:spPr>
           <a:xfrm>
-            <a:off x="8768744" y="982900"/>
+            <a:off x="8768744" y="940565"/>
             <a:ext cx="252000" cy="0"/>
           </a:xfrm>
           <a:prstGeom prst="straightConnector1">
@@ -10139,13 +10139,13 @@
       </p:cxnSp>
       <p:cxnSp>
         <p:nvCxnSpPr>
-          <p:cNvPr id="426" name="Straight Arrow Connector 425"/>
+          <p:cNvPr id="387" name="Straight Arrow Connector 386"/>
           <p:cNvCxnSpPr/>
           <p:nvPr/>
         </p:nvCxnSpPr>
         <p:spPr>
           <a:xfrm>
-            <a:off x="8775568" y="6824160"/>
+            <a:off x="8775568" y="6737937"/>
             <a:ext cx="252000" cy="0"/>
           </a:xfrm>
           <a:prstGeom prst="straightConnector1">
@@ -10175,13 +10175,13 @@
       </p:cxnSp>
       <p:cxnSp>
         <p:nvCxnSpPr>
-          <p:cNvPr id="427" name="Straight Arrow Connector 426"/>
+          <p:cNvPr id="388" name="Straight Arrow Connector 387"/>
           <p:cNvCxnSpPr/>
           <p:nvPr/>
         </p:nvCxnSpPr>
         <p:spPr>
           <a:xfrm>
-            <a:off x="6784950" y="6826909"/>
+            <a:off x="6784950" y="6740686"/>
             <a:ext cx="252000" cy="0"/>
           </a:xfrm>
           <a:prstGeom prst="straightConnector1">
@@ -10211,13 +10211,13 @@
       </p:cxnSp>
       <p:cxnSp>
         <p:nvCxnSpPr>
-          <p:cNvPr id="428" name="Straight Arrow Connector 427"/>
+          <p:cNvPr id="389" name="Straight Arrow Connector 388"/>
           <p:cNvCxnSpPr/>
           <p:nvPr/>
         </p:nvCxnSpPr>
         <p:spPr>
           <a:xfrm>
-            <a:off x="4753163" y="6826910"/>
+            <a:off x="4753163" y="6740687"/>
             <a:ext cx="252000" cy="0"/>
           </a:xfrm>
           <a:prstGeom prst="straightConnector1">
@@ -10247,13 +10247,13 @@
       </p:cxnSp>
       <p:cxnSp>
         <p:nvCxnSpPr>
-          <p:cNvPr id="429" name="Straight Arrow Connector 428"/>
+          <p:cNvPr id="390" name="Straight Arrow Connector 389"/>
           <p:cNvCxnSpPr/>
           <p:nvPr/>
         </p:nvCxnSpPr>
         <p:spPr>
           <a:xfrm>
-            <a:off x="2754028" y="6822836"/>
+            <a:off x="2754028" y="6736613"/>
             <a:ext cx="252000" cy="0"/>
           </a:xfrm>
           <a:prstGeom prst="straightConnector1">
@@ -10283,13 +10283,13 @@
       </p:cxnSp>
       <p:cxnSp>
         <p:nvCxnSpPr>
-          <p:cNvPr id="430" name="Straight Arrow Connector 429"/>
+          <p:cNvPr id="391" name="Straight Arrow Connector 390"/>
           <p:cNvCxnSpPr/>
           <p:nvPr/>
         </p:nvCxnSpPr>
         <p:spPr>
           <a:xfrm>
-            <a:off x="735921" y="6826910"/>
+            <a:off x="735921" y="6740687"/>
             <a:ext cx="252000" cy="0"/>
           </a:xfrm>
           <a:prstGeom prst="straightConnector1">

--- a/Chapter7/Figures/Fig3.pptx
+++ b/Chapter7/Figures/Fig3.pptx
@@ -7,7 +7,7 @@
   <p:sldIdLst>
     <p:sldId id="256" r:id="rId2"/>
   </p:sldIdLst>
-  <p:sldSz cx="10801350" cy="11701463"/>
+  <p:sldSz cx="10801350" cy="11880850"/>
   <p:notesSz cx="6858000" cy="9144000"/>
   <p:defaultTextStyle>
     <a:defPPr>
@@ -136,8 +136,8 @@
         </p:nvSpPr>
         <p:spPr>
           <a:xfrm>
-            <a:off x="810112" y="3635046"/>
-            <a:ext cx="9181149" cy="2508230"/>
+            <a:off x="810112" y="3690773"/>
+            <a:ext cx="9181149" cy="2546682"/>
           </a:xfrm>
         </p:spPr>
         <p:txBody>
@@ -164,8 +164,8 @@
         </p:nvSpPr>
         <p:spPr>
           <a:xfrm>
-            <a:off x="1620214" y="6630835"/>
-            <a:ext cx="7560945" cy="2990374"/>
+            <a:off x="1620214" y="6732489"/>
+            <a:ext cx="7560945" cy="3036217"/>
           </a:xfrm>
         </p:spPr>
         <p:txBody>
@@ -288,7 +288,7 @@
           <a:p>
             <a:fld id="{4D792E19-0BEC-4B8D-B7D3-C8ECEB03A1A5}" type="datetimeFigureOut">
               <a:rPr lang="en-GB" smtClean="0"/>
-              <a:t>27/09/2014</a:t>
+              <a:t>19/10/2014</a:t>
             </a:fld>
             <a:endParaRPr lang="en-GB"/>
           </a:p>
@@ -458,7 +458,7 @@
           <a:p>
             <a:fld id="{4D792E19-0BEC-4B8D-B7D3-C8ECEB03A1A5}" type="datetimeFigureOut">
               <a:rPr lang="en-GB" smtClean="0"/>
-              <a:t>27/09/2014</a:t>
+              <a:t>19/10/2014</a:t>
             </a:fld>
             <a:endParaRPr lang="en-GB"/>
           </a:p>
@@ -548,8 +548,8 @@
         </p:nvSpPr>
         <p:spPr>
           <a:xfrm>
-            <a:off x="7831000" y="468609"/>
-            <a:ext cx="2430303" cy="9984166"/>
+            <a:off x="7831003" y="475793"/>
+            <a:ext cx="2430303" cy="10137226"/>
           </a:xfrm>
         </p:spPr>
         <p:txBody>
@@ -576,8 +576,8 @@
         </p:nvSpPr>
         <p:spPr>
           <a:xfrm>
-            <a:off x="540069" y="468609"/>
-            <a:ext cx="7110888" cy="9984166"/>
+            <a:off x="540069" y="475793"/>
+            <a:ext cx="7110888" cy="10137226"/>
           </a:xfrm>
         </p:spPr>
         <p:txBody>
@@ -638,7 +638,7 @@
           <a:p>
             <a:fld id="{4D792E19-0BEC-4B8D-B7D3-C8ECEB03A1A5}" type="datetimeFigureOut">
               <a:rPr lang="en-GB" smtClean="0"/>
-              <a:t>27/09/2014</a:t>
+              <a:t>19/10/2014</a:t>
             </a:fld>
             <a:endParaRPr lang="en-GB"/>
           </a:p>
@@ -808,7 +808,7 @@
           <a:p>
             <a:fld id="{4D792E19-0BEC-4B8D-B7D3-C8ECEB03A1A5}" type="datetimeFigureOut">
               <a:rPr lang="en-GB" smtClean="0"/>
-              <a:t>27/09/2014</a:t>
+              <a:t>19/10/2014</a:t>
             </a:fld>
             <a:endParaRPr lang="en-GB"/>
           </a:p>
@@ -898,8 +898,8 @@
         </p:nvSpPr>
         <p:spPr>
           <a:xfrm>
-            <a:off x="853246" y="7519281"/>
-            <a:ext cx="9181149" cy="2324039"/>
+            <a:off x="853246" y="7634556"/>
+            <a:ext cx="9181149" cy="2359667"/>
           </a:xfrm>
         </p:spPr>
         <p:txBody>
@@ -930,8 +930,8 @@
         </p:nvSpPr>
         <p:spPr>
           <a:xfrm>
-            <a:off x="853246" y="4959588"/>
-            <a:ext cx="9181149" cy="2559696"/>
+            <a:off x="853246" y="5035620"/>
+            <a:ext cx="9181149" cy="2598937"/>
           </a:xfrm>
         </p:spPr>
         <p:txBody>
@@ -1054,7 +1054,7 @@
           <a:p>
             <a:fld id="{4D792E19-0BEC-4B8D-B7D3-C8ECEB03A1A5}" type="datetimeFigureOut">
               <a:rPr lang="en-GB" smtClean="0"/>
-              <a:t>27/09/2014</a:t>
+              <a:t>19/10/2014</a:t>
             </a:fld>
             <a:endParaRPr lang="en-GB"/>
           </a:p>
@@ -1167,8 +1167,8 @@
         </p:nvSpPr>
         <p:spPr>
           <a:xfrm>
-            <a:off x="540076" y="2730351"/>
-            <a:ext cx="4770597" cy="7722427"/>
+            <a:off x="540076" y="2772210"/>
+            <a:ext cx="4770597" cy="7840814"/>
           </a:xfrm>
         </p:spPr>
         <p:txBody>
@@ -1252,8 +1252,8 @@
         </p:nvSpPr>
         <p:spPr>
           <a:xfrm>
-            <a:off x="5490695" y="2730351"/>
-            <a:ext cx="4770597" cy="7722427"/>
+            <a:off x="5490695" y="2772210"/>
+            <a:ext cx="4770597" cy="7840814"/>
           </a:xfrm>
         </p:spPr>
         <p:txBody>
@@ -1342,7 +1342,7 @@
           <a:p>
             <a:fld id="{4D792E19-0BEC-4B8D-B7D3-C8ECEB03A1A5}" type="datetimeFigureOut">
               <a:rPr lang="en-GB" smtClean="0"/>
-              <a:t>27/09/2014</a:t>
+              <a:t>19/10/2014</a:t>
             </a:fld>
             <a:endParaRPr lang="en-GB"/>
           </a:p>
@@ -1459,8 +1459,8 @@
         </p:nvSpPr>
         <p:spPr>
           <a:xfrm>
-            <a:off x="540072" y="2619296"/>
-            <a:ext cx="4772472" cy="1091594"/>
+            <a:off x="540072" y="2659451"/>
+            <a:ext cx="4772472" cy="1108328"/>
           </a:xfrm>
         </p:spPr>
         <p:txBody>
@@ -1524,8 +1524,8 @@
         </p:nvSpPr>
         <p:spPr>
           <a:xfrm>
-            <a:off x="540072" y="3710888"/>
-            <a:ext cx="4772472" cy="6741887"/>
+            <a:off x="540072" y="3767779"/>
+            <a:ext cx="4772472" cy="6845242"/>
           </a:xfrm>
         </p:spPr>
         <p:txBody>
@@ -1609,8 +1609,8 @@
         </p:nvSpPr>
         <p:spPr>
           <a:xfrm>
-            <a:off x="5486959" y="2619296"/>
-            <a:ext cx="4774347" cy="1091594"/>
+            <a:off x="5486959" y="2659451"/>
+            <a:ext cx="4774347" cy="1108328"/>
           </a:xfrm>
         </p:spPr>
         <p:txBody>
@@ -1674,8 +1674,8 @@
         </p:nvSpPr>
         <p:spPr>
           <a:xfrm>
-            <a:off x="5486959" y="3710888"/>
-            <a:ext cx="4774347" cy="6741887"/>
+            <a:off x="5486959" y="3767779"/>
+            <a:ext cx="4774347" cy="6845242"/>
           </a:xfrm>
         </p:spPr>
         <p:txBody>
@@ -1764,7 +1764,7 @@
           <a:p>
             <a:fld id="{4D792E19-0BEC-4B8D-B7D3-C8ECEB03A1A5}" type="datetimeFigureOut">
               <a:rPr lang="en-GB" smtClean="0"/>
-              <a:t>27/09/2014</a:t>
+              <a:t>19/10/2014</a:t>
             </a:fld>
             <a:endParaRPr lang="en-GB"/>
           </a:p>
@@ -1882,7 +1882,7 @@
           <a:p>
             <a:fld id="{4D792E19-0BEC-4B8D-B7D3-C8ECEB03A1A5}" type="datetimeFigureOut">
               <a:rPr lang="en-GB" smtClean="0"/>
-              <a:t>27/09/2014</a:t>
+              <a:t>19/10/2014</a:t>
             </a:fld>
             <a:endParaRPr lang="en-GB"/>
           </a:p>
@@ -1977,7 +1977,7 @@
           <a:p>
             <a:fld id="{4D792E19-0BEC-4B8D-B7D3-C8ECEB03A1A5}" type="datetimeFigureOut">
               <a:rPr lang="en-GB" smtClean="0"/>
-              <a:t>27/09/2014</a:t>
+              <a:t>19/10/2014</a:t>
             </a:fld>
             <a:endParaRPr lang="en-GB"/>
           </a:p>
@@ -2067,8 +2067,8 @@
         </p:nvSpPr>
         <p:spPr>
           <a:xfrm>
-            <a:off x="540094" y="465899"/>
-            <a:ext cx="3553569" cy="1982750"/>
+            <a:off x="540097" y="473041"/>
+            <a:ext cx="3553569" cy="2013146"/>
           </a:xfrm>
         </p:spPr>
         <p:txBody>
@@ -2099,8 +2099,8 @@
         </p:nvSpPr>
         <p:spPr>
           <a:xfrm>
-            <a:off x="4223031" y="465900"/>
-            <a:ext cx="6038256" cy="9986876"/>
+            <a:off x="4223031" y="473042"/>
+            <a:ext cx="6038256" cy="10139978"/>
           </a:xfrm>
         </p:spPr>
         <p:txBody>
@@ -2184,8 +2184,8 @@
         </p:nvSpPr>
         <p:spPr>
           <a:xfrm>
-            <a:off x="540094" y="2448639"/>
-            <a:ext cx="3553569" cy="8004126"/>
+            <a:off x="540097" y="2486177"/>
+            <a:ext cx="3553569" cy="8126832"/>
           </a:xfrm>
         </p:spPr>
         <p:txBody>
@@ -2254,7 +2254,7 @@
           <a:p>
             <a:fld id="{4D792E19-0BEC-4B8D-B7D3-C8ECEB03A1A5}" type="datetimeFigureOut">
               <a:rPr lang="en-GB" smtClean="0"/>
-              <a:t>27/09/2014</a:t>
+              <a:t>19/10/2014</a:t>
             </a:fld>
             <a:endParaRPr lang="en-GB"/>
           </a:p>
@@ -2344,8 +2344,8 @@
         </p:nvSpPr>
         <p:spPr>
           <a:xfrm>
-            <a:off x="2117142" y="8191030"/>
-            <a:ext cx="6480810" cy="966995"/>
+            <a:off x="2117142" y="8316603"/>
+            <a:ext cx="6480810" cy="981819"/>
           </a:xfrm>
         </p:spPr>
         <p:txBody>
@@ -2376,8 +2376,8 @@
         </p:nvSpPr>
         <p:spPr>
           <a:xfrm>
-            <a:off x="2117142" y="1045554"/>
-            <a:ext cx="6480810" cy="7020878"/>
+            <a:off x="2117142" y="1061583"/>
+            <a:ext cx="6480810" cy="7128510"/>
           </a:xfrm>
         </p:spPr>
         <p:txBody>
@@ -2437,8 +2437,8 @@
         </p:nvSpPr>
         <p:spPr>
           <a:xfrm>
-            <a:off x="2117142" y="9158026"/>
-            <a:ext cx="6480810" cy="1373298"/>
+            <a:off x="2117142" y="9298421"/>
+            <a:ext cx="6480810" cy="1394351"/>
           </a:xfrm>
         </p:spPr>
         <p:txBody>
@@ -2507,7 +2507,7 @@
           <a:p>
             <a:fld id="{4D792E19-0BEC-4B8D-B7D3-C8ECEB03A1A5}" type="datetimeFigureOut">
               <a:rPr lang="en-GB" smtClean="0"/>
-              <a:t>27/09/2014</a:t>
+              <a:t>19/10/2014</a:t>
             </a:fld>
             <a:endParaRPr lang="en-GB"/>
           </a:p>
@@ -2602,8 +2602,8 @@
         </p:nvSpPr>
         <p:spPr>
           <a:xfrm>
-            <a:off x="540079" y="468609"/>
-            <a:ext cx="9721215" cy="1950244"/>
+            <a:off x="540079" y="475794"/>
+            <a:ext cx="9721215" cy="1980142"/>
           </a:xfrm>
           <a:prstGeom prst="rect">
             <a:avLst/>
@@ -2635,8 +2635,8 @@
         </p:nvSpPr>
         <p:spPr>
           <a:xfrm>
-            <a:off x="540079" y="2730351"/>
-            <a:ext cx="9721215" cy="7722427"/>
+            <a:off x="540079" y="2772210"/>
+            <a:ext cx="9721215" cy="7840814"/>
           </a:xfrm>
           <a:prstGeom prst="rect">
             <a:avLst/>
@@ -2697,8 +2697,8 @@
         </p:nvSpPr>
         <p:spPr>
           <a:xfrm>
-            <a:off x="540083" y="10845530"/>
-            <a:ext cx="2520315" cy="622996"/>
+            <a:off x="540083" y="11011796"/>
+            <a:ext cx="2520315" cy="632547"/>
           </a:xfrm>
           <a:prstGeom prst="rect">
             <a:avLst/>
@@ -2720,7 +2720,7 @@
           <a:p>
             <a:fld id="{4D792E19-0BEC-4B8D-B7D3-C8ECEB03A1A5}" type="datetimeFigureOut">
               <a:rPr lang="en-GB" smtClean="0"/>
-              <a:t>27/09/2014</a:t>
+              <a:t>19/10/2014</a:t>
             </a:fld>
             <a:endParaRPr lang="en-GB"/>
           </a:p>
@@ -2738,8 +2738,8 @@
         </p:nvSpPr>
         <p:spPr>
           <a:xfrm>
-            <a:off x="3690472" y="10845530"/>
-            <a:ext cx="3420429" cy="622996"/>
+            <a:off x="3690472" y="11011796"/>
+            <a:ext cx="3420429" cy="632547"/>
           </a:xfrm>
           <a:prstGeom prst="rect">
             <a:avLst/>
@@ -2775,8 +2775,8 @@
         </p:nvSpPr>
         <p:spPr>
           <a:xfrm>
-            <a:off x="7740991" y="10845530"/>
-            <a:ext cx="2520315" cy="622996"/>
+            <a:off x="7740994" y="11011796"/>
+            <a:ext cx="2520315" cy="632547"/>
           </a:xfrm>
           <a:prstGeom prst="rect">
             <a:avLst/>
@@ -3097,7 +3097,7 @@
       </p:grpSpPr>
       <p:pic>
         <p:nvPicPr>
-          <p:cNvPr id="327" name="Picture 2" descr="C:\Users\Wendy\Documents\wwn20\Thesis\Chapter7\Figures\Fig3\Spec_TM.png"/>
+          <p:cNvPr id="197" name="Picture 2" descr="C:\Users\Wendy\Documents\wwn20\Thesis\Chapter7\Figures\Fig3\Spec_TM.png"/>
           <p:cNvPicPr>
             <a:picLocks noChangeAspect="1" noChangeArrowheads="1"/>
           </p:cNvPicPr>
@@ -3118,7 +3118,7 @@
         </p:blipFill>
         <p:spPr bwMode="auto">
           <a:xfrm>
-            <a:off x="1401095" y="2703025"/>
+            <a:off x="1401095" y="2725923"/>
             <a:ext cx="4680000" cy="3177528"/>
           </a:xfrm>
           <a:prstGeom prst="rect">
@@ -3138,7 +3138,7 @@
       </p:pic>
       <p:pic>
         <p:nvPicPr>
-          <p:cNvPr id="328" name="Picture 14" descr="C:\Users\Wendy\Documents\wwn20\Thesis\Chapter7\Figures\Fig3\Scale.png"/>
+          <p:cNvPr id="198" name="Picture 14" descr="C:\Users\Wendy\Documents\wwn20\Thesis\Chapter7\Figures\Fig3\Scale.png"/>
           <p:cNvPicPr>
             <a:picLocks noChangeAspect="1" noChangeArrowheads="1"/>
           </p:cNvPicPr>
@@ -3157,7 +3157,7 @@
         </p:blipFill>
         <p:spPr bwMode="auto">
           <a:xfrm>
-            <a:off x="7921350" y="10796579"/>
+            <a:off x="7921350" y="10819477"/>
             <a:ext cx="2880000" cy="881910"/>
           </a:xfrm>
           <a:prstGeom prst="rect">
@@ -3177,7 +3177,7 @@
       </p:pic>
       <p:pic>
         <p:nvPicPr>
-          <p:cNvPr id="329" name="Picture 13" descr="C:\Users\Wendy\Documents\wwn20\Thesis\Chapter7\Figures\Fig3\Spec_TE.png"/>
+          <p:cNvPr id="199" name="Picture 13" descr="C:\Users\Wendy\Documents\wwn20\Thesis\Chapter7\Figures\Fig3\Spec_TE.png"/>
           <p:cNvPicPr>
             <a:picLocks noChangeAspect="1" noChangeArrowheads="1"/>
           </p:cNvPicPr>
@@ -3198,7 +3198,7 @@
         </p:blipFill>
         <p:spPr bwMode="auto">
           <a:xfrm>
-            <a:off x="1405163" y="8500961"/>
+            <a:off x="1405163" y="8523859"/>
             <a:ext cx="4680000" cy="3177528"/>
           </a:xfrm>
           <a:prstGeom prst="rect">
@@ -3218,7 +3218,7 @@
       </p:pic>
       <p:pic>
         <p:nvPicPr>
-          <p:cNvPr id="330" name="Picture 11" descr="C:\Users\Wendy\Documents\wwn20\Thesis\Chapter7\Figures\Fig3\CHPI_ETFE_90_TE.png"/>
+          <p:cNvPr id="200" name="Picture 11" descr="C:\Users\Wendy\Documents\wwn20\Thesis\Chapter7\Figures\Fig3\CHPI_ETFE_90_TE.png"/>
           <p:cNvPicPr>
             <a:picLocks noChangeAspect="1" noChangeArrowheads="1"/>
           </p:cNvPicPr>
@@ -3237,7 +3237,7 @@
         </p:blipFill>
         <p:spPr bwMode="auto">
           <a:xfrm>
-            <a:off x="8509368" y="6196122"/>
+            <a:off x="8509368" y="6219020"/>
             <a:ext cx="2219899" cy="2160001"/>
           </a:xfrm>
           <a:prstGeom prst="rect">
@@ -3257,7 +3257,7 @@
       </p:pic>
       <p:pic>
         <p:nvPicPr>
-          <p:cNvPr id="331" name="Picture 10" descr="C:\Users\Wendy\Documents\wwn20\Thesis\Chapter7\Figures\Fig3\CHPI_ETFE_60_TE.png"/>
+          <p:cNvPr id="201" name="Picture 10" descr="C:\Users\Wendy\Documents\wwn20\Thesis\Chapter7\Figures\Fig3\CHPI_ETFE_60_TE.png"/>
           <p:cNvPicPr>
             <a:picLocks noChangeAspect="1" noChangeArrowheads="1"/>
           </p:cNvPicPr>
@@ -3276,7 +3276,7 @@
         </p:blipFill>
         <p:spPr bwMode="auto">
           <a:xfrm>
-            <a:off x="6489850" y="6182475"/>
+            <a:off x="6489850" y="6205373"/>
             <a:ext cx="2233547" cy="2160000"/>
           </a:xfrm>
           <a:prstGeom prst="rect">
@@ -3296,7 +3296,7 @@
       </p:pic>
       <p:pic>
         <p:nvPicPr>
-          <p:cNvPr id="332" name="Picture 9" descr="C:\Users\Wendy\Documents\wwn20\Thesis\Chapter7\Figures\Fig3\CHPI_ETFE_40_TE.png"/>
+          <p:cNvPr id="202" name="Picture 9" descr="C:\Users\Wendy\Documents\wwn20\Thesis\Chapter7\Figures\Fig3\CHPI_ETFE_40_TE.png"/>
           <p:cNvPicPr>
             <a:picLocks noChangeAspect="1" noChangeArrowheads="1"/>
           </p:cNvPicPr>
@@ -3315,7 +3315,7 @@
         </p:blipFill>
         <p:spPr bwMode="auto">
           <a:xfrm>
-            <a:off x="4479177" y="6182475"/>
+            <a:off x="4479177" y="6205373"/>
             <a:ext cx="2233548" cy="2160000"/>
           </a:xfrm>
           <a:prstGeom prst="rect">
@@ -3335,7 +3335,7 @@
       </p:pic>
       <p:pic>
         <p:nvPicPr>
-          <p:cNvPr id="333" name="Picture 8" descr="C:\Users\Wendy\Documents\wwn20\Thesis\Chapter7\Figures\Fig3\CHPI_ETFE_20_TE.png"/>
+          <p:cNvPr id="203" name="Picture 8" descr="C:\Users\Wendy\Documents\wwn20\Thesis\Chapter7\Figures\Fig3\CHPI_ETFE_20_TE.png"/>
           <p:cNvPicPr>
             <a:picLocks noChangeAspect="1" noChangeArrowheads="1"/>
           </p:cNvPicPr>
@@ -3354,7 +3354,7 @@
         </p:blipFill>
         <p:spPr bwMode="auto">
           <a:xfrm>
-            <a:off x="2438241" y="6191385"/>
+            <a:off x="2438241" y="6214283"/>
             <a:ext cx="2264609" cy="2151090"/>
           </a:xfrm>
           <a:prstGeom prst="rect">
@@ -3374,7 +3374,7 @@
       </p:pic>
       <p:pic>
         <p:nvPicPr>
-          <p:cNvPr id="334" name="Picture 7" descr="C:\Users\Wendy\Documents\wwn20\Thesis\Chapter7\Figures\Fig3\CHPI_ETFE_0_TE.png"/>
+          <p:cNvPr id="204" name="Picture 7" descr="C:\Users\Wendy\Documents\wwn20\Thesis\Chapter7\Figures\Fig3\CHPI_ETFE_0_TE.png"/>
           <p:cNvPicPr>
             <a:picLocks noChangeAspect="1" noChangeArrowheads="1"/>
           </p:cNvPicPr>
@@ -3393,7 +3393,7 @@
         </p:blipFill>
         <p:spPr bwMode="auto">
           <a:xfrm>
-            <a:off x="432850" y="6182475"/>
+            <a:off x="432850" y="6205373"/>
             <a:ext cx="2253637" cy="2160000"/>
           </a:xfrm>
           <a:prstGeom prst="rect">
@@ -3413,7 +3413,7 @@
       </p:pic>
       <p:pic>
         <p:nvPicPr>
-          <p:cNvPr id="335" name="Picture 2" descr="C:\Users\Wendy\Documents\wwn20\Thesis\Chapter7\Figures\Fig3\CHPI_ETFE_90_TM.png"/>
+          <p:cNvPr id="205" name="Picture 2" descr="C:\Users\Wendy\Documents\wwn20\Thesis\Chapter7\Figures\Fig3\CHPI_ETFE_90_TM.png"/>
           <p:cNvPicPr>
             <a:picLocks noChangeAspect="1" noChangeArrowheads="1"/>
           </p:cNvPicPr>
@@ -3432,7 +3432,7 @@
         </p:blipFill>
         <p:spPr bwMode="auto">
           <a:xfrm>
-            <a:off x="8459011" y="393156"/>
+            <a:off x="8459011" y="416054"/>
             <a:ext cx="2254255" cy="2160000"/>
           </a:xfrm>
           <a:prstGeom prst="rect">
@@ -3452,7 +3452,7 @@
       </p:pic>
       <p:pic>
         <p:nvPicPr>
-          <p:cNvPr id="336" name="Picture 3" descr="C:\Users\Wendy\Documents\wwn20\Thesis\Chapter7\Figures\Fig3\CHPI_ETFE_60_TM.png"/>
+          <p:cNvPr id="206" name="Picture 3" descr="C:\Users\Wendy\Documents\wwn20\Thesis\Chapter7\Figures\Fig3\CHPI_ETFE_60_TM.png"/>
           <p:cNvPicPr>
             <a:picLocks noChangeAspect="1" noChangeArrowheads="1"/>
           </p:cNvPicPr>
@@ -3471,7 +3471,7 @@
         </p:blipFill>
         <p:spPr bwMode="auto">
           <a:xfrm>
-            <a:off x="6466647" y="377024"/>
+            <a:off x="6466647" y="399922"/>
             <a:ext cx="2233546" cy="2160000"/>
           </a:xfrm>
           <a:prstGeom prst="rect">
@@ -3491,7 +3491,7 @@
       </p:pic>
       <p:pic>
         <p:nvPicPr>
-          <p:cNvPr id="337" name="Picture 4" descr="C:\Users\Wendy\Documents\wwn20\Thesis\Chapter7\Figures\Fig3\CHPI_ETFE_40_TM.png"/>
+          <p:cNvPr id="207" name="Picture 4" descr="C:\Users\Wendy\Documents\wwn20\Thesis\Chapter7\Figures\Fig3\CHPI_ETFE_40_TM.png"/>
           <p:cNvPicPr>
             <a:picLocks noChangeAspect="1" noChangeArrowheads="1"/>
           </p:cNvPicPr>
@@ -3510,7 +3510,7 @@
         </p:blipFill>
         <p:spPr bwMode="auto">
           <a:xfrm>
-            <a:off x="4492327" y="390673"/>
+            <a:off x="4492327" y="413571"/>
             <a:ext cx="2222624" cy="2160001"/>
           </a:xfrm>
           <a:prstGeom prst="rect">
@@ -3530,7 +3530,7 @@
       </p:pic>
       <p:pic>
         <p:nvPicPr>
-          <p:cNvPr id="338" name="Picture 6" descr="C:\Users\Wendy\Documents\wwn20\Thesis\Chapter7\Figures\Fig3\CHPI_ETFE_20_TM.png"/>
+          <p:cNvPr id="208" name="Picture 6" descr="C:\Users\Wendy\Documents\wwn20\Thesis\Chapter7\Figures\Fig3\CHPI_ETFE_20_TM.png"/>
           <p:cNvPicPr>
             <a:picLocks noChangeAspect="1" noChangeArrowheads="1"/>
           </p:cNvPicPr>
@@ -3549,7 +3549,7 @@
         </p:blipFill>
         <p:spPr bwMode="auto">
           <a:xfrm>
-            <a:off x="2488731" y="398765"/>
+            <a:off x="2488731" y="421663"/>
             <a:ext cx="2225199" cy="2160001"/>
           </a:xfrm>
           <a:prstGeom prst="rect">
@@ -3569,7 +3569,7 @@
       </p:pic>
       <p:pic>
         <p:nvPicPr>
-          <p:cNvPr id="339" name="Picture 5" descr="C:\Users\Wendy\Documents\wwn20\Thesis\Chapter7\Figures\Fig3\CHPI_ETFE_0_TM.png"/>
+          <p:cNvPr id="209" name="Picture 5" descr="C:\Users\Wendy\Documents\wwn20\Thesis\Chapter7\Figures\Fig3\CHPI_ETFE_0_TM.png"/>
           <p:cNvPicPr>
             <a:picLocks noChangeAspect="1" noChangeArrowheads="1"/>
           </p:cNvPicPr>
@@ -3588,7 +3588,7 @@
         </p:blipFill>
         <p:spPr bwMode="auto">
           <a:xfrm>
-            <a:off x="460530" y="377024"/>
+            <a:off x="460530" y="399922"/>
             <a:ext cx="2260461" cy="2176132"/>
           </a:xfrm>
           <a:prstGeom prst="rect">
@@ -3608,13 +3608,13 @@
       </p:pic>
       <p:sp>
         <p:nvSpPr>
-          <p:cNvPr id="340" name="TextBox 339"/>
+          <p:cNvPr id="210" name="TextBox 209"/>
           <p:cNvSpPr txBox="1"/>
           <p:nvPr/>
         </p:nvSpPr>
         <p:spPr>
           <a:xfrm rot="16200000">
-            <a:off x="-853531" y="1029241"/>
+            <a:off x="-853531" y="1052139"/>
             <a:ext cx="2217242" cy="353943"/>
           </a:xfrm>
           <a:prstGeom prst="rect">
@@ -3644,13 +3644,13 @@
       </p:sp>
       <p:sp>
         <p:nvSpPr>
-          <p:cNvPr id="341" name="TextBox 340"/>
+          <p:cNvPr id="211" name="TextBox 210"/>
           <p:cNvSpPr txBox="1"/>
           <p:nvPr/>
         </p:nvSpPr>
         <p:spPr>
           <a:xfrm>
-            <a:off x="5183784" y="2484013"/>
+            <a:off x="5183784" y="2506911"/>
             <a:ext cx="972108" cy="353943"/>
           </a:xfrm>
           <a:prstGeom prst="rect">
@@ -3701,13 +3701,13 @@
       </p:sp>
       <p:sp>
         <p:nvSpPr>
-          <p:cNvPr id="342" name="TextBox 341"/>
+          <p:cNvPr id="212" name="TextBox 211"/>
           <p:cNvSpPr txBox="1"/>
           <p:nvPr/>
         </p:nvSpPr>
         <p:spPr>
           <a:xfrm>
-            <a:off x="648147" y="-71759"/>
+            <a:off x="648147" y="-48861"/>
             <a:ext cx="4123664" cy="477054"/>
           </a:xfrm>
           <a:prstGeom prst="rect">
@@ -3731,13 +3731,13 @@
       </p:sp>
       <p:sp>
         <p:nvSpPr>
-          <p:cNvPr id="343" name="TextBox 342"/>
+          <p:cNvPr id="213" name="TextBox 212"/>
           <p:cNvSpPr txBox="1"/>
           <p:nvPr/>
         </p:nvSpPr>
         <p:spPr>
           <a:xfrm>
-            <a:off x="648147" y="5769972"/>
+            <a:off x="648147" y="5792870"/>
             <a:ext cx="4123664" cy="477054"/>
           </a:xfrm>
           <a:prstGeom prst="rect">
@@ -3761,13 +3761,13 @@
       </p:sp>
       <p:sp>
         <p:nvSpPr>
-          <p:cNvPr id="344" name="TextBox 343"/>
+          <p:cNvPr id="214" name="TextBox 213"/>
           <p:cNvSpPr txBox="1"/>
           <p:nvPr/>
         </p:nvSpPr>
         <p:spPr>
           <a:xfrm rot="16200000">
-            <a:off x="-859566" y="6839886"/>
+            <a:off x="-859566" y="6862784"/>
             <a:ext cx="2217242" cy="353943"/>
           </a:xfrm>
           <a:prstGeom prst="rect">
@@ -3797,13 +3797,13 @@
       </p:sp>
       <p:sp>
         <p:nvSpPr>
-          <p:cNvPr id="345" name="TextBox 344"/>
+          <p:cNvPr id="215" name="TextBox 214"/>
           <p:cNvSpPr txBox="1"/>
           <p:nvPr/>
         </p:nvSpPr>
         <p:spPr>
           <a:xfrm>
-            <a:off x="5177749" y="8294658"/>
+            <a:off x="5177749" y="8317556"/>
             <a:ext cx="972108" cy="353943"/>
           </a:xfrm>
           <a:prstGeom prst="rect">
@@ -3854,13 +3854,13 @@
       </p:sp>
       <p:sp>
         <p:nvSpPr>
-          <p:cNvPr id="346" name="TextBox 345"/>
+          <p:cNvPr id="216" name="TextBox 215"/>
           <p:cNvSpPr txBox="1"/>
           <p:nvPr/>
         </p:nvSpPr>
         <p:spPr>
           <a:xfrm>
-            <a:off x="2770960" y="1945502"/>
+            <a:off x="2770960" y="1968400"/>
             <a:ext cx="1022598" cy="369332"/>
           </a:xfrm>
           <a:prstGeom prst="rect">
@@ -3892,13 +3892,13 @@
       </p:sp>
       <p:sp>
         <p:nvSpPr>
-          <p:cNvPr id="347" name="TextBox 346"/>
+          <p:cNvPr id="217" name="TextBox 216"/>
           <p:cNvSpPr txBox="1"/>
           <p:nvPr/>
         </p:nvSpPr>
         <p:spPr>
           <a:xfrm>
-            <a:off x="6748066" y="1945502"/>
+            <a:off x="6748066" y="1968400"/>
             <a:ext cx="1022598" cy="369332"/>
           </a:xfrm>
           <a:prstGeom prst="rect">
@@ -3930,13 +3930,13 @@
       </p:sp>
       <p:sp>
         <p:nvSpPr>
-          <p:cNvPr id="348" name="TextBox 347"/>
+          <p:cNvPr id="218" name="TextBox 217"/>
           <p:cNvSpPr txBox="1"/>
           <p:nvPr/>
         </p:nvSpPr>
         <p:spPr>
           <a:xfrm>
-            <a:off x="8737326" y="1945502"/>
+            <a:off x="8737326" y="1968400"/>
             <a:ext cx="1022598" cy="369332"/>
           </a:xfrm>
           <a:prstGeom prst="rect">
@@ -3968,13 +3968,13 @@
       </p:sp>
       <p:sp>
         <p:nvSpPr>
-          <p:cNvPr id="349" name="TextBox 348"/>
+          <p:cNvPr id="219" name="TextBox 218"/>
           <p:cNvSpPr txBox="1"/>
           <p:nvPr/>
         </p:nvSpPr>
         <p:spPr>
           <a:xfrm>
-            <a:off x="6763832" y="7755178"/>
+            <a:off x="6763832" y="7778076"/>
             <a:ext cx="1022598" cy="369332"/>
           </a:xfrm>
           <a:prstGeom prst="rect">
@@ -4006,13 +4006,13 @@
       </p:sp>
       <p:sp>
         <p:nvSpPr>
-          <p:cNvPr id="350" name="TextBox 349"/>
+          <p:cNvPr id="220" name="TextBox 219"/>
           <p:cNvSpPr txBox="1"/>
           <p:nvPr/>
         </p:nvSpPr>
         <p:spPr>
           <a:xfrm>
-            <a:off x="8797542" y="7755178"/>
+            <a:off x="8797542" y="7778076"/>
             <a:ext cx="1022598" cy="369332"/>
           </a:xfrm>
           <a:prstGeom prst="rect">
@@ -4044,13 +4044,13 @@
       </p:sp>
       <p:sp>
         <p:nvSpPr>
-          <p:cNvPr id="351" name="Freeform 350"/>
+          <p:cNvPr id="221" name="Freeform 220"/>
           <p:cNvSpPr/>
           <p:nvPr/>
         </p:nvSpPr>
         <p:spPr>
           <a:xfrm flipH="1">
-            <a:off x="5817801" y="2610568"/>
+            <a:off x="5817801" y="2633466"/>
             <a:ext cx="446970" cy="1109679"/>
           </a:xfrm>
           <a:custGeom>
@@ -4133,13 +4133,13 @@
       </p:sp>
       <p:sp>
         <p:nvSpPr>
-          <p:cNvPr id="352" name="Freeform 351"/>
+          <p:cNvPr id="222" name="Freeform 221"/>
           <p:cNvSpPr/>
           <p:nvPr/>
         </p:nvSpPr>
         <p:spPr>
           <a:xfrm>
-            <a:off x="834327" y="8342475"/>
+            <a:off x="834327" y="8365373"/>
             <a:ext cx="446970" cy="1109679"/>
           </a:xfrm>
           <a:custGeom>
@@ -4222,13 +4222,13 @@
       </p:sp>
       <p:cxnSp>
         <p:nvCxnSpPr>
-          <p:cNvPr id="353" name="Straight Connector 352"/>
+          <p:cNvPr id="223" name="Straight Connector 222"/>
           <p:cNvCxnSpPr/>
           <p:nvPr/>
         </p:nvCxnSpPr>
         <p:spPr>
           <a:xfrm>
-            <a:off x="5092734" y="470425"/>
+            <a:off x="5092734" y="493323"/>
             <a:ext cx="0" cy="1872000"/>
           </a:xfrm>
           <a:prstGeom prst="line">
@@ -4258,13 +4258,13 @@
       </p:cxnSp>
       <p:sp>
         <p:nvSpPr>
-          <p:cNvPr id="354" name="TextBox 353"/>
+          <p:cNvPr id="224" name="TextBox 223"/>
           <p:cNvSpPr txBox="1"/>
           <p:nvPr/>
         </p:nvSpPr>
         <p:spPr>
           <a:xfrm>
-            <a:off x="758255" y="1945502"/>
+            <a:off x="758255" y="1968400"/>
             <a:ext cx="843475" cy="369332"/>
           </a:xfrm>
           <a:prstGeom prst="rect">
@@ -4296,13 +4296,13 @@
       </p:sp>
       <p:cxnSp>
         <p:nvCxnSpPr>
-          <p:cNvPr id="355" name="Straight Connector 354"/>
+          <p:cNvPr id="225" name="Straight Connector 224"/>
           <p:cNvCxnSpPr/>
           <p:nvPr/>
         </p:nvCxnSpPr>
         <p:spPr>
           <a:xfrm>
-            <a:off x="5720511" y="470425"/>
+            <a:off x="5720511" y="493323"/>
             <a:ext cx="0" cy="1872000"/>
           </a:xfrm>
           <a:prstGeom prst="line">
@@ -4332,13 +4332,13 @@
       </p:cxnSp>
       <p:cxnSp>
         <p:nvCxnSpPr>
-          <p:cNvPr id="356" name="Straight Connector 355"/>
+          <p:cNvPr id="226" name="Straight Connector 225"/>
           <p:cNvCxnSpPr/>
           <p:nvPr/>
         </p:nvCxnSpPr>
         <p:spPr>
           <a:xfrm>
-            <a:off x="6329955" y="474255"/>
+            <a:off x="6329955" y="497153"/>
             <a:ext cx="0" cy="1872000"/>
           </a:xfrm>
           <a:prstGeom prst="line">
@@ -4368,13 +4368,13 @@
       </p:cxnSp>
       <p:cxnSp>
         <p:nvCxnSpPr>
-          <p:cNvPr id="357" name="Straight Connector 356"/>
+          <p:cNvPr id="227" name="Straight Connector 226"/>
           <p:cNvCxnSpPr/>
           <p:nvPr/>
         </p:nvCxnSpPr>
         <p:spPr>
           <a:xfrm>
-            <a:off x="1060735" y="6263368"/>
+            <a:off x="1060735" y="6286266"/>
             <a:ext cx="0" cy="1872000"/>
           </a:xfrm>
           <a:prstGeom prst="line">
@@ -4404,13 +4404,13 @@
       </p:cxnSp>
       <p:cxnSp>
         <p:nvCxnSpPr>
-          <p:cNvPr id="358" name="Straight Connector 357"/>
+          <p:cNvPr id="228" name="Straight Connector 227"/>
           <p:cNvCxnSpPr/>
           <p:nvPr/>
         </p:nvCxnSpPr>
         <p:spPr>
           <a:xfrm>
-            <a:off x="1679886" y="6263368"/>
+            <a:off x="1679886" y="6286266"/>
             <a:ext cx="0" cy="1872000"/>
           </a:xfrm>
           <a:prstGeom prst="line">
@@ -4440,13 +4440,13 @@
       </p:cxnSp>
       <p:cxnSp>
         <p:nvCxnSpPr>
-          <p:cNvPr id="359" name="Straight Connector 358"/>
+          <p:cNvPr id="229" name="Straight Connector 228"/>
           <p:cNvCxnSpPr/>
           <p:nvPr/>
         </p:nvCxnSpPr>
         <p:spPr>
           <a:xfrm>
-            <a:off x="2292705" y="6251950"/>
+            <a:off x="2292705" y="6274848"/>
             <a:ext cx="0" cy="1872000"/>
           </a:xfrm>
           <a:prstGeom prst="line">
@@ -4476,13 +4476,13 @@
       </p:cxnSp>
       <p:sp>
         <p:nvSpPr>
-          <p:cNvPr id="360" name="TextBox 359"/>
+          <p:cNvPr id="230" name="TextBox 229"/>
           <p:cNvSpPr txBox="1"/>
           <p:nvPr/>
         </p:nvSpPr>
         <p:spPr>
           <a:xfrm>
-            <a:off x="2383" y="-47169"/>
+            <a:off x="2383" y="-24271"/>
             <a:ext cx="645764" cy="477054"/>
           </a:xfrm>
           <a:prstGeom prst="rect">
@@ -4506,13 +4506,13 @@
       </p:sp>
       <p:sp>
         <p:nvSpPr>
-          <p:cNvPr id="361" name="TextBox 360"/>
+          <p:cNvPr id="231" name="TextBox 230"/>
           <p:cNvSpPr txBox="1"/>
           <p:nvPr/>
         </p:nvSpPr>
         <p:spPr>
           <a:xfrm>
-            <a:off x="2383" y="5760889"/>
+            <a:off x="2383" y="5783787"/>
             <a:ext cx="645764" cy="477054"/>
           </a:xfrm>
           <a:prstGeom prst="rect">
@@ -4536,13 +4536,13 @@
       </p:sp>
       <p:sp>
         <p:nvSpPr>
-          <p:cNvPr id="362" name="TextBox 361"/>
+          <p:cNvPr id="232" name="TextBox 231"/>
           <p:cNvSpPr txBox="1"/>
           <p:nvPr/>
         </p:nvSpPr>
         <p:spPr>
           <a:xfrm>
-            <a:off x="1154413" y="2656484"/>
+            <a:off x="1154413" y="2679382"/>
             <a:ext cx="645764" cy="477054"/>
           </a:xfrm>
           <a:prstGeom prst="rect">
@@ -4566,13 +4566,13 @@
       </p:sp>
       <p:sp>
         <p:nvSpPr>
-          <p:cNvPr id="363" name="TextBox 362"/>
+          <p:cNvPr id="233" name="TextBox 232"/>
           <p:cNvSpPr txBox="1"/>
           <p:nvPr/>
         </p:nvSpPr>
         <p:spPr>
           <a:xfrm>
-            <a:off x="1154413" y="8427248"/>
+            <a:off x="1154413" y="8450146"/>
             <a:ext cx="645764" cy="477054"/>
           </a:xfrm>
           <a:prstGeom prst="rect">
@@ -4596,13 +4596,13 @@
       </p:sp>
       <p:sp>
         <p:nvSpPr>
-          <p:cNvPr id="364" name="Freeform 363"/>
+          <p:cNvPr id="234" name="Freeform 233"/>
           <p:cNvSpPr/>
           <p:nvPr/>
         </p:nvSpPr>
         <p:spPr>
           <a:xfrm>
-            <a:off x="746547" y="7464742"/>
+            <a:off x="746547" y="7487640"/>
             <a:ext cx="679450" cy="635000"/>
           </a:xfrm>
           <a:custGeom>
@@ -5025,13 +5025,13 @@
       </p:sp>
       <p:sp>
         <p:nvSpPr>
-          <p:cNvPr id="365" name="Freeform 364"/>
+          <p:cNvPr id="235" name="Freeform 234"/>
           <p:cNvSpPr/>
           <p:nvPr/>
         </p:nvSpPr>
         <p:spPr>
           <a:xfrm>
-            <a:off x="2768187" y="7456952"/>
+            <a:off x="2768187" y="7479850"/>
             <a:ext cx="825500" cy="711200"/>
           </a:xfrm>
           <a:custGeom>
@@ -5616,13 +5616,13 @@
       </p:sp>
       <p:sp>
         <p:nvSpPr>
-          <p:cNvPr id="366" name="Freeform 365"/>
+          <p:cNvPr id="236" name="Freeform 235"/>
           <p:cNvSpPr/>
           <p:nvPr/>
         </p:nvSpPr>
         <p:spPr>
           <a:xfrm>
-            <a:off x="4771811" y="7418808"/>
+            <a:off x="4771811" y="7441706"/>
             <a:ext cx="1492960" cy="716560"/>
           </a:xfrm>
           <a:custGeom>
@@ -6287,13 +6287,13 @@
       </p:sp>
       <p:sp>
         <p:nvSpPr>
-          <p:cNvPr id="367" name="Freeform 366"/>
+          <p:cNvPr id="237" name="Freeform 236"/>
           <p:cNvSpPr/>
           <p:nvPr/>
         </p:nvSpPr>
         <p:spPr>
           <a:xfrm>
-            <a:off x="4771811" y="1674545"/>
+            <a:off x="4771811" y="1697443"/>
             <a:ext cx="1384081" cy="667880"/>
           </a:xfrm>
           <a:custGeom>
@@ -6958,13 +6958,13 @@
       </p:sp>
       <p:sp>
         <p:nvSpPr>
-          <p:cNvPr id="368" name="Freeform 367"/>
+          <p:cNvPr id="238" name="Freeform 237"/>
           <p:cNvSpPr/>
           <p:nvPr/>
         </p:nvSpPr>
         <p:spPr>
           <a:xfrm>
-            <a:off x="750498" y="6780723"/>
+            <a:off x="750498" y="6803621"/>
             <a:ext cx="362310" cy="207034"/>
           </a:xfrm>
           <a:custGeom>
@@ -7041,13 +7041,13 @@
       </p:sp>
       <p:sp>
         <p:nvSpPr>
-          <p:cNvPr id="369" name="Freeform 368"/>
+          <p:cNvPr id="239" name="Freeform 238"/>
           <p:cNvSpPr/>
           <p:nvPr/>
         </p:nvSpPr>
         <p:spPr>
           <a:xfrm>
-            <a:off x="2770960" y="6829606"/>
+            <a:off x="2770960" y="6852504"/>
             <a:ext cx="362310" cy="207034"/>
           </a:xfrm>
           <a:custGeom>
@@ -7124,13 +7124,13 @@
       </p:sp>
       <p:sp>
         <p:nvSpPr>
-          <p:cNvPr id="370" name="Freeform 369"/>
+          <p:cNvPr id="240" name="Freeform 239"/>
           <p:cNvSpPr/>
           <p:nvPr/>
         </p:nvSpPr>
         <p:spPr>
           <a:xfrm>
-            <a:off x="4771811" y="6884240"/>
+            <a:off x="4771811" y="6907138"/>
             <a:ext cx="362310" cy="207034"/>
           </a:xfrm>
           <a:custGeom>
@@ -7207,13 +7207,13 @@
       </p:sp>
       <p:sp>
         <p:nvSpPr>
-          <p:cNvPr id="371" name="Freeform 370"/>
+          <p:cNvPr id="241" name="Freeform 240"/>
           <p:cNvSpPr/>
           <p:nvPr/>
         </p:nvSpPr>
         <p:spPr>
           <a:xfrm>
-            <a:off x="6777061" y="1577057"/>
+            <a:off x="6777061" y="1599955"/>
             <a:ext cx="1846107" cy="179143"/>
           </a:xfrm>
           <a:custGeom>
@@ -8180,13 +8180,13 @@
       </p:sp>
       <p:sp>
         <p:nvSpPr>
-          <p:cNvPr id="372" name="Freeform 371"/>
+          <p:cNvPr id="242" name="Freeform 241"/>
           <p:cNvSpPr/>
           <p:nvPr/>
         </p:nvSpPr>
         <p:spPr>
           <a:xfrm>
-            <a:off x="6777061" y="1049865"/>
+            <a:off x="6777061" y="1072763"/>
             <a:ext cx="601649" cy="304244"/>
           </a:xfrm>
           <a:custGeom>
@@ -8287,13 +8287,13 @@
       </p:sp>
       <p:sp>
         <p:nvSpPr>
-          <p:cNvPr id="373" name="Freeform 372"/>
+          <p:cNvPr id="243" name="Freeform 242"/>
           <p:cNvSpPr/>
           <p:nvPr/>
         </p:nvSpPr>
         <p:spPr>
           <a:xfrm>
-            <a:off x="6784950" y="6840453"/>
+            <a:off x="6784950" y="6863351"/>
             <a:ext cx="601649" cy="304244"/>
           </a:xfrm>
           <a:custGeom>
@@ -8394,13 +8394,13 @@
       </p:sp>
       <p:sp>
         <p:nvSpPr>
-          <p:cNvPr id="374" name="Freeform 373"/>
+          <p:cNvPr id="244" name="Freeform 243"/>
           <p:cNvSpPr/>
           <p:nvPr/>
         </p:nvSpPr>
         <p:spPr>
           <a:xfrm>
-            <a:off x="8775568" y="1159439"/>
+            <a:off x="8775568" y="1182337"/>
             <a:ext cx="1077282" cy="289886"/>
           </a:xfrm>
           <a:custGeom>
@@ -9693,13 +9693,13 @@
       </p:sp>
       <p:cxnSp>
         <p:nvCxnSpPr>
-          <p:cNvPr id="375" name="Straight Arrow Connector 374"/>
+          <p:cNvPr id="245" name="Straight Arrow Connector 244"/>
           <p:cNvCxnSpPr/>
           <p:nvPr/>
         </p:nvCxnSpPr>
         <p:spPr>
           <a:xfrm>
-            <a:off x="4753163" y="4425495"/>
+            <a:off x="4753163" y="4448393"/>
             <a:ext cx="0" cy="360000"/>
           </a:xfrm>
           <a:prstGeom prst="straightConnector1">
@@ -9731,13 +9731,13 @@
       </p:cxnSp>
       <p:cxnSp>
         <p:nvCxnSpPr>
-          <p:cNvPr id="376" name="Straight Arrow Connector 375"/>
+          <p:cNvPr id="246" name="Straight Arrow Connector 245"/>
           <p:cNvCxnSpPr/>
           <p:nvPr/>
         </p:nvCxnSpPr>
         <p:spPr>
           <a:xfrm>
-            <a:off x="5264557" y="3594510"/>
+            <a:off x="5264557" y="3617408"/>
             <a:ext cx="0" cy="360000"/>
           </a:xfrm>
           <a:prstGeom prst="straightConnector1">
@@ -9769,13 +9769,13 @@
       </p:cxnSp>
       <p:cxnSp>
         <p:nvCxnSpPr>
-          <p:cNvPr id="377" name="Straight Arrow Connector 376"/>
+          <p:cNvPr id="247" name="Straight Arrow Connector 246"/>
           <p:cNvCxnSpPr/>
           <p:nvPr/>
         </p:nvCxnSpPr>
         <p:spPr>
           <a:xfrm>
-            <a:off x="4991515" y="10071804"/>
+            <a:off x="4991515" y="10094702"/>
             <a:ext cx="0" cy="360000"/>
           </a:xfrm>
           <a:prstGeom prst="straightConnector1">
@@ -9807,13 +9807,13 @@
       </p:cxnSp>
       <p:sp>
         <p:nvSpPr>
-          <p:cNvPr id="378" name="TextBox 377"/>
+          <p:cNvPr id="248" name="TextBox 247"/>
           <p:cNvSpPr txBox="1"/>
           <p:nvPr/>
         </p:nvSpPr>
         <p:spPr>
           <a:xfrm>
-            <a:off x="4766906" y="1945502"/>
+            <a:off x="4766906" y="1968400"/>
             <a:ext cx="1022598" cy="369332"/>
           </a:xfrm>
           <a:prstGeom prst="rect">
@@ -9845,13 +9845,13 @@
       </p:sp>
       <p:sp>
         <p:nvSpPr>
-          <p:cNvPr id="379" name="TextBox 378"/>
+          <p:cNvPr id="249" name="TextBox 248"/>
           <p:cNvSpPr txBox="1"/>
           <p:nvPr/>
         </p:nvSpPr>
         <p:spPr>
           <a:xfrm>
-            <a:off x="2767676" y="7755178"/>
+            <a:off x="2767676" y="7778076"/>
             <a:ext cx="1022598" cy="369332"/>
           </a:xfrm>
           <a:prstGeom prst="rect">
@@ -9883,13 +9883,13 @@
       </p:sp>
       <p:sp>
         <p:nvSpPr>
-          <p:cNvPr id="380" name="TextBox 379"/>
+          <p:cNvPr id="250" name="TextBox 249"/>
           <p:cNvSpPr txBox="1"/>
           <p:nvPr/>
         </p:nvSpPr>
         <p:spPr>
           <a:xfrm>
-            <a:off x="4763622" y="7755178"/>
+            <a:off x="4763622" y="7778076"/>
             <a:ext cx="1022598" cy="369332"/>
           </a:xfrm>
           <a:prstGeom prst="rect">
@@ -9921,13 +9921,13 @@
       </p:sp>
       <p:sp>
         <p:nvSpPr>
-          <p:cNvPr id="381" name="TextBox 380"/>
+          <p:cNvPr id="251" name="TextBox 250"/>
           <p:cNvSpPr txBox="1"/>
           <p:nvPr/>
         </p:nvSpPr>
         <p:spPr>
           <a:xfrm>
-            <a:off x="735921" y="7755178"/>
+            <a:off x="735921" y="7778076"/>
             <a:ext cx="843475" cy="369332"/>
           </a:xfrm>
           <a:prstGeom prst="rect">
@@ -9959,13 +9959,13 @@
       </p:sp>
       <p:cxnSp>
         <p:nvCxnSpPr>
-          <p:cNvPr id="382" name="Straight Arrow Connector 381"/>
+          <p:cNvPr id="252" name="Straight Arrow Connector 251"/>
           <p:cNvCxnSpPr/>
           <p:nvPr/>
         </p:nvCxnSpPr>
         <p:spPr>
           <a:xfrm>
-            <a:off x="769138" y="939297"/>
+            <a:off x="769138" y="962195"/>
             <a:ext cx="252000" cy="0"/>
           </a:xfrm>
           <a:prstGeom prst="straightConnector1">
@@ -9995,13 +9995,13 @@
       </p:cxnSp>
       <p:cxnSp>
         <p:nvCxnSpPr>
-          <p:cNvPr id="383" name="Straight Arrow Connector 382"/>
+          <p:cNvPr id="253" name="Straight Arrow Connector 252"/>
           <p:cNvCxnSpPr/>
           <p:nvPr/>
         </p:nvCxnSpPr>
         <p:spPr>
           <a:xfrm>
-            <a:off x="2788656" y="952945"/>
+            <a:off x="2788656" y="975843"/>
             <a:ext cx="252000" cy="0"/>
           </a:xfrm>
           <a:prstGeom prst="straightConnector1">
@@ -10031,13 +10031,13 @@
       </p:cxnSp>
       <p:cxnSp>
         <p:nvCxnSpPr>
-          <p:cNvPr id="384" name="Straight Arrow Connector 383"/>
+          <p:cNvPr id="254" name="Straight Arrow Connector 253"/>
           <p:cNvCxnSpPr/>
           <p:nvPr/>
         </p:nvCxnSpPr>
         <p:spPr>
           <a:xfrm>
-            <a:off x="4771811" y="954212"/>
+            <a:off x="4771811" y="977110"/>
             <a:ext cx="252000" cy="0"/>
           </a:xfrm>
           <a:prstGeom prst="straightConnector1">
@@ -10067,13 +10067,13 @@
       </p:cxnSp>
       <p:cxnSp>
         <p:nvCxnSpPr>
-          <p:cNvPr id="385" name="Straight Arrow Connector 384"/>
+          <p:cNvPr id="255" name="Straight Arrow Connector 254"/>
           <p:cNvCxnSpPr/>
           <p:nvPr/>
         </p:nvCxnSpPr>
         <p:spPr>
           <a:xfrm>
-            <a:off x="6777563" y="946121"/>
+            <a:off x="6777563" y="969019"/>
             <a:ext cx="252000" cy="0"/>
           </a:xfrm>
           <a:prstGeom prst="straightConnector1">
@@ -10103,13 +10103,13 @@
       </p:cxnSp>
       <p:cxnSp>
         <p:nvCxnSpPr>
-          <p:cNvPr id="386" name="Straight Arrow Connector 385"/>
+          <p:cNvPr id="256" name="Straight Arrow Connector 255"/>
           <p:cNvCxnSpPr/>
           <p:nvPr/>
         </p:nvCxnSpPr>
         <p:spPr>
           <a:xfrm>
-            <a:off x="8768744" y="940565"/>
+            <a:off x="8768744" y="963463"/>
             <a:ext cx="252000" cy="0"/>
           </a:xfrm>
           <a:prstGeom prst="straightConnector1">
@@ -10139,13 +10139,13 @@
       </p:cxnSp>
       <p:cxnSp>
         <p:nvCxnSpPr>
-          <p:cNvPr id="387" name="Straight Arrow Connector 386"/>
+          <p:cNvPr id="257" name="Straight Arrow Connector 256"/>
           <p:cNvCxnSpPr/>
           <p:nvPr/>
         </p:nvCxnSpPr>
         <p:spPr>
           <a:xfrm>
-            <a:off x="8775568" y="6737937"/>
+            <a:off x="8775568" y="6760835"/>
             <a:ext cx="252000" cy="0"/>
           </a:xfrm>
           <a:prstGeom prst="straightConnector1">
@@ -10175,13 +10175,13 @@
       </p:cxnSp>
       <p:cxnSp>
         <p:nvCxnSpPr>
-          <p:cNvPr id="388" name="Straight Arrow Connector 387"/>
+          <p:cNvPr id="258" name="Straight Arrow Connector 257"/>
           <p:cNvCxnSpPr/>
           <p:nvPr/>
         </p:nvCxnSpPr>
         <p:spPr>
           <a:xfrm>
-            <a:off x="6784950" y="6740686"/>
+            <a:off x="6784950" y="6763584"/>
             <a:ext cx="252000" cy="0"/>
           </a:xfrm>
           <a:prstGeom prst="straightConnector1">
@@ -10211,13 +10211,13 @@
       </p:cxnSp>
       <p:cxnSp>
         <p:nvCxnSpPr>
-          <p:cNvPr id="389" name="Straight Arrow Connector 388"/>
+          <p:cNvPr id="259" name="Straight Arrow Connector 258"/>
           <p:cNvCxnSpPr/>
           <p:nvPr/>
         </p:nvCxnSpPr>
         <p:spPr>
           <a:xfrm>
-            <a:off x="4753163" y="6740687"/>
+            <a:off x="4753163" y="6763585"/>
             <a:ext cx="252000" cy="0"/>
           </a:xfrm>
           <a:prstGeom prst="straightConnector1">
@@ -10247,13 +10247,13 @@
       </p:cxnSp>
       <p:cxnSp>
         <p:nvCxnSpPr>
-          <p:cNvPr id="390" name="Straight Arrow Connector 389"/>
+          <p:cNvPr id="260" name="Straight Arrow Connector 259"/>
           <p:cNvCxnSpPr/>
           <p:nvPr/>
         </p:nvCxnSpPr>
         <p:spPr>
           <a:xfrm>
-            <a:off x="2754028" y="6736613"/>
+            <a:off x="2754028" y="6759511"/>
             <a:ext cx="252000" cy="0"/>
           </a:xfrm>
           <a:prstGeom prst="straightConnector1">
@@ -10283,13 +10283,13 @@
       </p:cxnSp>
       <p:cxnSp>
         <p:nvCxnSpPr>
-          <p:cNvPr id="391" name="Straight Arrow Connector 390"/>
+          <p:cNvPr id="261" name="Straight Arrow Connector 260"/>
           <p:cNvCxnSpPr/>
           <p:nvPr/>
         </p:nvCxnSpPr>
         <p:spPr>
           <a:xfrm>
-            <a:off x="735921" y="6740687"/>
+            <a:off x="735921" y="6763585"/>
             <a:ext cx="252000" cy="0"/>
           </a:xfrm>
           <a:prstGeom prst="straightConnector1">
